--- a/docs/ppt/MicroCode101.pptx
+++ b/docs/ppt/MicroCode101.pptx
@@ -5,7 +5,7 @@
     <p:sldMasterId id="2147483648" r:id="rId1"/>
   </p:sldMasterIdLst>
   <p:notesMasterIdLst>
-    <p:notesMasterId r:id="rId28"/>
+    <p:notesMasterId r:id="rId32"/>
   </p:notesMasterIdLst>
   <p:sldIdLst>
     <p:sldId id="256" r:id="rId2"/>
@@ -24,16 +24,20 @@
     <p:sldId id="267" r:id="rId15"/>
     <p:sldId id="280" r:id="rId16"/>
     <p:sldId id="265" r:id="rId17"/>
-    <p:sldId id="270" r:id="rId18"/>
-    <p:sldId id="275" r:id="rId19"/>
-    <p:sldId id="276" r:id="rId20"/>
-    <p:sldId id="277" r:id="rId21"/>
-    <p:sldId id="272" r:id="rId22"/>
-    <p:sldId id="273" r:id="rId23"/>
-    <p:sldId id="278" r:id="rId24"/>
-    <p:sldId id="282" r:id="rId25"/>
-    <p:sldId id="281" r:id="rId26"/>
-    <p:sldId id="259" r:id="rId27"/>
+    <p:sldId id="283" r:id="rId18"/>
+    <p:sldId id="270" r:id="rId19"/>
+    <p:sldId id="275" r:id="rId20"/>
+    <p:sldId id="276" r:id="rId21"/>
+    <p:sldId id="277" r:id="rId22"/>
+    <p:sldId id="272" r:id="rId23"/>
+    <p:sldId id="273" r:id="rId24"/>
+    <p:sldId id="278" r:id="rId25"/>
+    <p:sldId id="282" r:id="rId26"/>
+    <p:sldId id="281" r:id="rId27"/>
+    <p:sldId id="259" r:id="rId28"/>
+    <p:sldId id="284" r:id="rId29"/>
+    <p:sldId id="285" r:id="rId30"/>
+    <p:sldId id="286" r:id="rId31"/>
   </p:sldIdLst>
   <p:sldSz cx="12192000" cy="6858000"/>
   <p:notesSz cx="6858000" cy="9144000"/>
@@ -140,14 +144,6 @@
 </p:presentation>
 </file>
 
-<file path=ppt/revisionInfo.xml><?xml version="1.0" encoding="utf-8"?>
-<p1510:revInfo xmlns:a="http://schemas.openxmlformats.org/drawingml/2006/main" xmlns:r="http://schemas.openxmlformats.org/officeDocument/2006/relationships" xmlns:p1510="http://schemas.microsoft.com/office/powerpoint/2015/10/main">
-  <p1510:revLst>
-    <p1510:client id="{DDDFA25E-D88E-4051-911C-A1E5A2E92640}" v="41" dt="2022-12-14T00:17:26.707"/>
-  </p1510:revLst>
-</p1510:revInfo>
-</file>
-
 <file path=ppt/notesMasters/notesMaster1.xml><?xml version="1.0" encoding="utf-8"?>
 <p:notesMaster xmlns:a="http://schemas.openxmlformats.org/drawingml/2006/main" xmlns:r="http://schemas.openxmlformats.org/officeDocument/2006/relationships" xmlns:p="http://schemas.openxmlformats.org/presentationml/2006/main">
   <p:cSld>
@@ -230,7 +226,7 @@
           <a:p>
             <a:fld id="{0DE96025-4D1D-4AD0-9C87-B8F575E0D7F2}" type="datetimeFigureOut">
               <a:rPr lang="en-US" smtClean="0"/>
-              <a:t>12/16/2022</a:t>
+              <a:t>7/24/2024</a:t>
             </a:fld>
             <a:endParaRPr lang="en-US"/>
           </a:p>
@@ -541,6 +537,120 @@
           <a:bodyPr/>
           <a:lstStyle/>
           <a:p>
+            <a:r>
+              <a:rPr lang="en-US" b="0" i="0" dirty="0">
+                <a:solidFill>
+                  <a:srgbClr val="FFFFFF"/>
+                </a:solidFill>
+                <a:effectLst/>
+                <a:latin typeface="-apple-system"/>
+              </a:rPr>
+              <a:t>If you don't have a micro:bit V2, you can use this URL to bring up simulator: </a:t>
+            </a:r>
+            <a:r>
+              <a:rPr lang="en-US" b="0" i="0" u="none" strike="noStrike" dirty="0">
+                <a:solidFill>
+                  <a:srgbClr val="7F85F5"/>
+                </a:solidFill>
+                <a:effectLst/>
+                <a:latin typeface="-apple-system"/>
+                <a:hlinkClick r:id="rId3" tooltip="https://microsoft.github.io/jacdac-docs/clients/javascript/devtools?jacscript=1&amp;simulators=microbitmicrocode#http://microbit.github.io/microcode?usb=0"/>
+              </a:rPr>
+              <a:t>https://microsoft.github.io/jacdac-docs/clients/javascript/devtools?jacscript=1&amp;simulators=microbitmicrocode#http://microbit.github.io/microcode?usb=0</a:t>
+            </a:r>
+            <a:endParaRPr lang="en-US" b="0" i="0" u="none" strike="noStrike" dirty="0">
+              <a:solidFill>
+                <a:srgbClr val="7F85F5"/>
+              </a:solidFill>
+              <a:effectLst/>
+              <a:latin typeface="-apple-system"/>
+            </a:endParaRPr>
+          </a:p>
+          <a:p>
+            <a:endParaRPr lang="en-US" dirty="0"/>
+          </a:p>
+        </p:txBody>
+      </p:sp>
+      <p:sp>
+        <p:nvSpPr>
+          <p:cNvPr id="4" name="Slide Number Placeholder 3"/>
+          <p:cNvSpPr>
+            <a:spLocks noGrp="1"/>
+          </p:cNvSpPr>
+          <p:nvPr>
+            <p:ph type="sldNum" sz="quarter" idx="5"/>
+          </p:nvPr>
+        </p:nvSpPr>
+        <p:spPr/>
+        <p:txBody>
+          <a:bodyPr/>
+          <a:lstStyle/>
+          <a:p>
+            <a:fld id="{920A4A1D-6398-4965-BED1-F9E14393B353}" type="slidenum">
+              <a:rPr lang="en-US" smtClean="0"/>
+              <a:t>1</a:t>
+            </a:fld>
+            <a:endParaRPr lang="en-US"/>
+          </a:p>
+        </p:txBody>
+      </p:sp>
+    </p:spTree>
+    <p:extLst>
+      <p:ext uri="{BB962C8B-B14F-4D97-AF65-F5344CB8AC3E}">
+        <p14:creationId xmlns:p14="http://schemas.microsoft.com/office/powerpoint/2010/main" val="448821760"/>
+      </p:ext>
+    </p:extLst>
+  </p:cSld>
+  <p:clrMapOvr>
+    <a:masterClrMapping/>
+  </p:clrMapOvr>
+</p:notes>
+</file>
+
+<file path=ppt/notesSlides/notesSlide2.xml><?xml version="1.0" encoding="utf-8"?>
+<p:notes xmlns:a="http://schemas.openxmlformats.org/drawingml/2006/main" xmlns:r="http://schemas.openxmlformats.org/officeDocument/2006/relationships" xmlns:p="http://schemas.openxmlformats.org/presentationml/2006/main">
+  <p:cSld>
+    <p:spTree>
+      <p:nvGrpSpPr>
+        <p:cNvPr id="1" name=""/>
+        <p:cNvGrpSpPr/>
+        <p:nvPr/>
+      </p:nvGrpSpPr>
+      <p:grpSpPr>
+        <a:xfrm>
+          <a:off x="0" y="0"/>
+          <a:ext cx="0" cy="0"/>
+          <a:chOff x="0" y="0"/>
+          <a:chExt cx="0" cy="0"/>
+        </a:xfrm>
+      </p:grpSpPr>
+      <p:sp>
+        <p:nvSpPr>
+          <p:cNvPr id="2" name="Slide Image Placeholder 1"/>
+          <p:cNvSpPr>
+            <a:spLocks noGrp="1" noRot="1" noChangeAspect="1"/>
+          </p:cNvSpPr>
+          <p:nvPr>
+            <p:ph type="sldImg"/>
+          </p:nvPr>
+        </p:nvSpPr>
+        <p:spPr/>
+      </p:sp>
+      <p:sp>
+        <p:nvSpPr>
+          <p:cNvPr id="3" name="Notes Placeholder 2"/>
+          <p:cNvSpPr>
+            <a:spLocks noGrp="1"/>
+          </p:cNvSpPr>
+          <p:nvPr>
+            <p:ph type="body" idx="1"/>
+          </p:nvPr>
+        </p:nvSpPr>
+        <p:spPr/>
+        <p:txBody>
+          <a:bodyPr/>
+          <a:lstStyle/>
+          <a:p>
             <a:pPr marL="0" marR="0" lvl="0" indent="0" algn="l" defTabSz="914400" rtl="0" eaLnBrk="1" fontAlgn="auto" latinLnBrk="0" hangingPunct="1">
               <a:lnSpc>
                 <a:spcPct val="100000"/>
@@ -633,7 +743,7 @@
 </p:notes>
 </file>
 
-<file path=ppt/notesSlides/notesSlide2.xml><?xml version="1.0" encoding="utf-8"?>
+<file path=ppt/notesSlides/notesSlide3.xml><?xml version="1.0" encoding="utf-8"?>
 <p:notes xmlns:a="http://schemas.openxmlformats.org/drawingml/2006/main" xmlns:r="http://schemas.openxmlformats.org/officeDocument/2006/relationships" xmlns:p="http://schemas.openxmlformats.org/presentationml/2006/main">
   <p:cSld>
     <p:spTree>
@@ -916,7 +1026,7 @@
           <a:p>
             <a:fld id="{3E3CE800-8366-445D-985E-FDE043880713}" type="datetimeFigureOut">
               <a:rPr lang="en-US" smtClean="0"/>
-              <a:t>12/16/2022</a:t>
+              <a:t>7/24/2024</a:t>
             </a:fld>
             <a:endParaRPr lang="en-US"/>
           </a:p>
@@ -1114,7 +1224,7 @@
           <a:p>
             <a:fld id="{3E3CE800-8366-445D-985E-FDE043880713}" type="datetimeFigureOut">
               <a:rPr lang="en-US" smtClean="0"/>
-              <a:t>12/16/2022</a:t>
+              <a:t>7/24/2024</a:t>
             </a:fld>
             <a:endParaRPr lang="en-US"/>
           </a:p>
@@ -1322,7 +1432,7 @@
           <a:p>
             <a:fld id="{3E3CE800-8366-445D-985E-FDE043880713}" type="datetimeFigureOut">
               <a:rPr lang="en-US" smtClean="0"/>
-              <a:t>12/16/2022</a:t>
+              <a:t>7/24/2024</a:t>
             </a:fld>
             <a:endParaRPr lang="en-US"/>
           </a:p>
@@ -1520,7 +1630,7 @@
           <a:p>
             <a:fld id="{3E3CE800-8366-445D-985E-FDE043880713}" type="datetimeFigureOut">
               <a:rPr lang="en-US" smtClean="0"/>
-              <a:t>12/16/2022</a:t>
+              <a:t>7/24/2024</a:t>
             </a:fld>
             <a:endParaRPr lang="en-US"/>
           </a:p>
@@ -1795,7 +1905,7 @@
           <a:p>
             <a:fld id="{3E3CE800-8366-445D-985E-FDE043880713}" type="datetimeFigureOut">
               <a:rPr lang="en-US" smtClean="0"/>
-              <a:t>12/16/2022</a:t>
+              <a:t>7/24/2024</a:t>
             </a:fld>
             <a:endParaRPr lang="en-US"/>
           </a:p>
@@ -2060,7 +2170,7 @@
           <a:p>
             <a:fld id="{3E3CE800-8366-445D-985E-FDE043880713}" type="datetimeFigureOut">
               <a:rPr lang="en-US" smtClean="0"/>
-              <a:t>12/16/2022</a:t>
+              <a:t>7/24/2024</a:t>
             </a:fld>
             <a:endParaRPr lang="en-US"/>
           </a:p>
@@ -2472,7 +2582,7 @@
           <a:p>
             <a:fld id="{3E3CE800-8366-445D-985E-FDE043880713}" type="datetimeFigureOut">
               <a:rPr lang="en-US" smtClean="0"/>
-              <a:t>12/16/2022</a:t>
+              <a:t>7/24/2024</a:t>
             </a:fld>
             <a:endParaRPr lang="en-US"/>
           </a:p>
@@ -2613,7 +2723,7 @@
           <a:p>
             <a:fld id="{3E3CE800-8366-445D-985E-FDE043880713}" type="datetimeFigureOut">
               <a:rPr lang="en-US" smtClean="0"/>
-              <a:t>12/16/2022</a:t>
+              <a:t>7/24/2024</a:t>
             </a:fld>
             <a:endParaRPr lang="en-US"/>
           </a:p>
@@ -2726,7 +2836,7 @@
           <a:p>
             <a:fld id="{3E3CE800-8366-445D-985E-FDE043880713}" type="datetimeFigureOut">
               <a:rPr lang="en-US" smtClean="0"/>
-              <a:t>12/16/2022</a:t>
+              <a:t>7/24/2024</a:t>
             </a:fld>
             <a:endParaRPr lang="en-US"/>
           </a:p>
@@ -3037,7 +3147,7 @@
           <a:p>
             <a:fld id="{3E3CE800-8366-445D-985E-FDE043880713}" type="datetimeFigureOut">
               <a:rPr lang="en-US" smtClean="0"/>
-              <a:t>12/16/2022</a:t>
+              <a:t>7/24/2024</a:t>
             </a:fld>
             <a:endParaRPr lang="en-US"/>
           </a:p>
@@ -3325,7 +3435,7 @@
           <a:p>
             <a:fld id="{3E3CE800-8366-445D-985E-FDE043880713}" type="datetimeFigureOut">
               <a:rPr lang="en-US" smtClean="0"/>
-              <a:t>12/16/2022</a:t>
+              <a:t>7/24/2024</a:t>
             </a:fld>
             <a:endParaRPr lang="en-US"/>
           </a:p>
@@ -3566,7 +3676,7 @@
           <a:p>
             <a:fld id="{3E3CE800-8366-445D-985E-FDE043880713}" type="datetimeFigureOut">
               <a:rPr lang="en-US" smtClean="0"/>
-              <a:t>12/16/2022</a:t>
+              <a:t>7/24/2024</a:t>
             </a:fld>
             <a:endParaRPr lang="en-US"/>
           </a:p>
@@ -4037,8 +4147,8 @@
           <a:lstStyle/>
           <a:p>
             <a:r>
-              <a:rPr lang="en-US"/>
-              <a:t>December 2022</a:t>
+              <a:rPr lang="en-US" dirty="0"/>
+              <a:t>March 2023</a:t>
             </a:r>
           </a:p>
         </p:txBody>
@@ -7340,6 +7450,118 @@
           <p:cNvPr id="2" name="Title 1">
             <a:extLst>
               <a:ext uri="{FF2B5EF4-FFF2-40B4-BE49-F238E27FC236}">
+                <a16:creationId xmlns:a16="http://schemas.microsoft.com/office/drawing/2014/main" id="{3F37D092-3E35-9CF4-B18F-D163E69F469F}"/>
+              </a:ext>
+            </a:extLst>
+          </p:cNvPr>
+          <p:cNvSpPr>
+            <a:spLocks noGrp="1"/>
+          </p:cNvSpPr>
+          <p:nvPr>
+            <p:ph type="title"/>
+          </p:nvPr>
+        </p:nvSpPr>
+        <p:spPr/>
+        <p:txBody>
+          <a:bodyPr/>
+          <a:lstStyle/>
+          <a:p>
+            <a:r>
+              <a:rPr lang="en-US" dirty="0"/>
+              <a:t>Navigating between Pages</a:t>
+            </a:r>
+          </a:p>
+        </p:txBody>
+      </p:sp>
+      <p:sp>
+        <p:nvSpPr>
+          <p:cNvPr id="3" name="Content Placeholder 2">
+            <a:extLst>
+              <a:ext uri="{FF2B5EF4-FFF2-40B4-BE49-F238E27FC236}">
+                <a16:creationId xmlns:a16="http://schemas.microsoft.com/office/drawing/2014/main" id="{7C45D819-D008-E516-CE10-DAE938E998A5}"/>
+              </a:ext>
+            </a:extLst>
+          </p:cNvPr>
+          <p:cNvSpPr>
+            <a:spLocks noGrp="1"/>
+          </p:cNvSpPr>
+          <p:nvPr>
+            <p:ph idx="1"/>
+          </p:nvPr>
+        </p:nvSpPr>
+        <p:spPr/>
+        <p:txBody>
+          <a:bodyPr/>
+          <a:lstStyle/>
+          <a:p>
+            <a:r>
+              <a:rPr lang="en-US" dirty="0"/>
+              <a:t>Page icon (upper right)</a:t>
+            </a:r>
+          </a:p>
+          <a:p>
+            <a:r>
+              <a:rPr lang="en-US" dirty="0"/>
+              <a:t>Next page</a:t>
+            </a:r>
+          </a:p>
+          <a:p>
+            <a:pPr lvl="1"/>
+            <a:r>
+              <a:rPr lang="en-US" dirty="0"/>
+              <a:t>Use down cursor to move past last rule</a:t>
+            </a:r>
+          </a:p>
+          <a:p>
+            <a:r>
+              <a:rPr lang="en-US" dirty="0"/>
+              <a:t>Previous page</a:t>
+            </a:r>
+          </a:p>
+          <a:p>
+            <a:pPr lvl="1"/>
+            <a:r>
+              <a:rPr lang="en-US" dirty="0"/>
+              <a:t>Use up cursor to move up (keep going)</a:t>
+            </a:r>
+          </a:p>
+        </p:txBody>
+      </p:sp>
+    </p:spTree>
+    <p:extLst>
+      <p:ext uri="{BB962C8B-B14F-4D97-AF65-F5344CB8AC3E}">
+        <p14:creationId xmlns:p14="http://schemas.microsoft.com/office/powerpoint/2010/main" val="4125003997"/>
+      </p:ext>
+    </p:extLst>
+  </p:cSld>
+  <p:clrMapOvr>
+    <a:masterClrMapping/>
+  </p:clrMapOvr>
+</p:sld>
+</file>
+
+<file path=ppt/slides/slide18.xml><?xml version="1.0" encoding="utf-8"?>
+<p:sld xmlns:a="http://schemas.openxmlformats.org/drawingml/2006/main" xmlns:r="http://schemas.openxmlformats.org/officeDocument/2006/relationships" xmlns:p="http://schemas.openxmlformats.org/presentationml/2006/main">
+  <p:cSld>
+    <p:spTree>
+      <p:nvGrpSpPr>
+        <p:cNvPr id="1" name=""/>
+        <p:cNvGrpSpPr/>
+        <p:nvPr/>
+      </p:nvGrpSpPr>
+      <p:grpSpPr>
+        <a:xfrm>
+          <a:off x="0" y="0"/>
+          <a:ext cx="0" cy="0"/>
+          <a:chOff x="0" y="0"/>
+          <a:chExt cx="0" cy="0"/>
+        </a:xfrm>
+      </p:grpSpPr>
+      <p:sp>
+        <p:nvSpPr>
+          <p:cNvPr id="2" name="Title 1">
+            <a:extLst>
+              <a:ext uri="{FF2B5EF4-FFF2-40B4-BE49-F238E27FC236}">
                 <a16:creationId xmlns:a16="http://schemas.microsoft.com/office/drawing/2014/main" id="{C875549C-8097-8E11-8522-0FE367164C6D}"/>
               </a:ext>
             </a:extLst>
@@ -7619,7 +7841,7 @@
 </p:sld>
 </file>
 
-<file path=ppt/slides/slide18.xml><?xml version="1.0" encoding="utf-8"?>
+<file path=ppt/slides/slide19.xml><?xml version="1.0" encoding="utf-8"?>
 <p:sld xmlns:a="http://schemas.openxmlformats.org/drawingml/2006/main" xmlns:r="http://schemas.openxmlformats.org/officeDocument/2006/relationships" xmlns:p="http://schemas.openxmlformats.org/presentationml/2006/main">
   <p:cSld>
     <p:spTree>
@@ -7747,7 +7969,197 @@
 </p:sld>
 </file>
 
-<file path=ppt/slides/slide19.xml><?xml version="1.0" encoding="utf-8"?>
+<file path=ppt/slides/slide2.xml><?xml version="1.0" encoding="utf-8"?>
+<p:sld xmlns:a="http://schemas.openxmlformats.org/drawingml/2006/main" xmlns:r="http://schemas.openxmlformats.org/officeDocument/2006/relationships" xmlns:p="http://schemas.openxmlformats.org/presentationml/2006/main">
+  <p:cSld>
+    <p:spTree>
+      <p:nvGrpSpPr>
+        <p:cNvPr id="1" name=""/>
+        <p:cNvGrpSpPr/>
+        <p:nvPr/>
+      </p:nvGrpSpPr>
+      <p:grpSpPr>
+        <a:xfrm>
+          <a:off x="0" y="0"/>
+          <a:ext cx="0" cy="0"/>
+          <a:chOff x="0" y="0"/>
+          <a:chExt cx="0" cy="0"/>
+        </a:xfrm>
+      </p:grpSpPr>
+      <p:sp>
+        <p:nvSpPr>
+          <p:cNvPr id="2" name="Title 1">
+            <a:extLst>
+              <a:ext uri="{FF2B5EF4-FFF2-40B4-BE49-F238E27FC236}">
+                <a16:creationId xmlns:a16="http://schemas.microsoft.com/office/drawing/2014/main" id="{E952B7BF-A0DA-F941-CD54-EC16F1B3792D}"/>
+              </a:ext>
+            </a:extLst>
+          </p:cNvPr>
+          <p:cNvSpPr>
+            <a:spLocks noGrp="1"/>
+          </p:cNvSpPr>
+          <p:nvPr>
+            <p:ph type="title"/>
+          </p:nvPr>
+        </p:nvSpPr>
+        <p:spPr/>
+        <p:txBody>
+          <a:bodyPr/>
+          <a:lstStyle/>
+          <a:p>
+            <a:r>
+              <a:rPr lang="en-US"/>
+              <a:t>Getting Started</a:t>
+            </a:r>
+          </a:p>
+        </p:txBody>
+      </p:sp>
+      <p:sp>
+        <p:nvSpPr>
+          <p:cNvPr id="3" name="Content Placeholder 2">
+            <a:extLst>
+              <a:ext uri="{FF2B5EF4-FFF2-40B4-BE49-F238E27FC236}">
+                <a16:creationId xmlns:a16="http://schemas.microsoft.com/office/drawing/2014/main" id="{E8E4EEEA-5FFE-0B97-CF36-CFC7A32D398D}"/>
+              </a:ext>
+            </a:extLst>
+          </p:cNvPr>
+          <p:cNvSpPr>
+            <a:spLocks noGrp="1"/>
+          </p:cNvSpPr>
+          <p:nvPr>
+            <p:ph idx="1"/>
+          </p:nvPr>
+        </p:nvSpPr>
+        <p:spPr/>
+        <p:txBody>
+          <a:bodyPr/>
+          <a:lstStyle/>
+          <a:p>
+            <a:pPr marL="514350" indent="-514350">
+              <a:buAutoNum type="arabicPeriod"/>
+            </a:pPr>
+            <a:r>
+              <a:rPr lang="en-US" b="1"/>
+              <a:t>Copy</a:t>
+            </a:r>
+            <a:r>
+              <a:rPr lang="en-US"/>
+              <a:t> </a:t>
+            </a:r>
+            <a:r>
+              <a:rPr lang="en-US" err="1"/>
+              <a:t>MicroCode</a:t>
+            </a:r>
+            <a:r>
+              <a:rPr lang="en-US"/>
+              <a:t> hex file onto micro:bit V2</a:t>
+            </a:r>
+          </a:p>
+          <a:p>
+            <a:pPr lvl="1"/>
+            <a:r>
+              <a:rPr lang="en-US"/>
+              <a:t>get file from dialog </a:t>
+            </a:r>
+            <a:r>
+              <a:rPr lang="en-US">
+                <a:hlinkClick r:id="rId2"/>
+              </a:rPr>
+              <a:t>https://aka.ms/microcode</a:t>
+            </a:r>
+            <a:r>
+              <a:rPr lang="en-US"/>
+              <a:t> </a:t>
+            </a:r>
+          </a:p>
+          <a:p>
+            <a:pPr marL="514350" indent="-514350">
+              <a:buFont typeface="+mj-lt"/>
+              <a:buAutoNum type="arabicPeriod"/>
+            </a:pPr>
+            <a:endParaRPr lang="en-US" b="1"/>
+          </a:p>
+          <a:p>
+            <a:pPr marL="514350" indent="-514350">
+              <a:buFont typeface="+mj-lt"/>
+              <a:buAutoNum type="arabicPeriod"/>
+            </a:pPr>
+            <a:r>
+              <a:rPr lang="en-US" b="1"/>
+              <a:t>Connect</a:t>
+            </a:r>
+            <a:r>
+              <a:rPr lang="en-US"/>
+              <a:t> the micro:bit to </a:t>
+            </a:r>
+            <a:r>
+              <a:rPr lang="en-US" err="1"/>
+              <a:t>MicroCode</a:t>
+            </a:r>
+            <a:r>
+              <a:rPr lang="en-US"/>
+              <a:t> editor. Either</a:t>
+            </a:r>
+          </a:p>
+          <a:p>
+            <a:pPr lvl="1"/>
+            <a:r>
+              <a:rPr lang="en-US"/>
+              <a:t>plug into </a:t>
+            </a:r>
+            <a:r>
+              <a:rPr lang="en-US" err="1">
+                <a:hlinkClick r:id="rId3"/>
+              </a:rPr>
+              <a:t>KittenBot</a:t>
+            </a:r>
+            <a:r>
+              <a:rPr lang="en-US">
+                <a:hlinkClick r:id="rId3"/>
+              </a:rPr>
+              <a:t> Arcade shield</a:t>
+            </a:r>
+            <a:r>
+              <a:rPr lang="en-US"/>
+              <a:t>, or</a:t>
+            </a:r>
+          </a:p>
+          <a:p>
+            <a:pPr lvl="1"/>
+            <a:r>
+              <a:rPr lang="en-US"/>
+              <a:t>connect via USB to web browser (dialog at </a:t>
+            </a:r>
+            <a:r>
+              <a:rPr lang="en-US">
+                <a:hlinkClick r:id="rId2"/>
+              </a:rPr>
+              <a:t>https://aka.ms/microcode</a:t>
+            </a:r>
+            <a:r>
+              <a:rPr lang="en-US"/>
+              <a:t>) </a:t>
+            </a:r>
+          </a:p>
+          <a:p>
+            <a:endParaRPr lang="en-US"/>
+          </a:p>
+        </p:txBody>
+      </p:sp>
+    </p:spTree>
+    <p:extLst>
+      <p:ext uri="{BB962C8B-B14F-4D97-AF65-F5344CB8AC3E}">
+        <p14:creationId xmlns:p14="http://schemas.microsoft.com/office/powerpoint/2010/main" val="3389339623"/>
+      </p:ext>
+    </p:extLst>
+  </p:cSld>
+  <p:clrMapOvr>
+    <a:masterClrMapping/>
+  </p:clrMapOvr>
+</p:sld>
+</file>
+
+<file path=ppt/slides/slide20.xml><?xml version="1.0" encoding="utf-8"?>
 <p:sld xmlns:a="http://schemas.openxmlformats.org/drawingml/2006/main" xmlns:r="http://schemas.openxmlformats.org/officeDocument/2006/relationships" xmlns:p="http://schemas.openxmlformats.org/presentationml/2006/main">
   <p:cSld>
     <p:spTree>
@@ -7837,197 +8249,7 @@
 </p:sld>
 </file>
 
-<file path=ppt/slides/slide2.xml><?xml version="1.0" encoding="utf-8"?>
-<p:sld xmlns:a="http://schemas.openxmlformats.org/drawingml/2006/main" xmlns:r="http://schemas.openxmlformats.org/officeDocument/2006/relationships" xmlns:p="http://schemas.openxmlformats.org/presentationml/2006/main">
-  <p:cSld>
-    <p:spTree>
-      <p:nvGrpSpPr>
-        <p:cNvPr id="1" name=""/>
-        <p:cNvGrpSpPr/>
-        <p:nvPr/>
-      </p:nvGrpSpPr>
-      <p:grpSpPr>
-        <a:xfrm>
-          <a:off x="0" y="0"/>
-          <a:ext cx="0" cy="0"/>
-          <a:chOff x="0" y="0"/>
-          <a:chExt cx="0" cy="0"/>
-        </a:xfrm>
-      </p:grpSpPr>
-      <p:sp>
-        <p:nvSpPr>
-          <p:cNvPr id="2" name="Title 1">
-            <a:extLst>
-              <a:ext uri="{FF2B5EF4-FFF2-40B4-BE49-F238E27FC236}">
-                <a16:creationId xmlns:a16="http://schemas.microsoft.com/office/drawing/2014/main" id="{E952B7BF-A0DA-F941-CD54-EC16F1B3792D}"/>
-              </a:ext>
-            </a:extLst>
-          </p:cNvPr>
-          <p:cNvSpPr>
-            <a:spLocks noGrp="1"/>
-          </p:cNvSpPr>
-          <p:nvPr>
-            <p:ph type="title"/>
-          </p:nvPr>
-        </p:nvSpPr>
-        <p:spPr/>
-        <p:txBody>
-          <a:bodyPr/>
-          <a:lstStyle/>
-          <a:p>
-            <a:r>
-              <a:rPr lang="en-US"/>
-              <a:t>Getting Started</a:t>
-            </a:r>
-          </a:p>
-        </p:txBody>
-      </p:sp>
-      <p:sp>
-        <p:nvSpPr>
-          <p:cNvPr id="3" name="Content Placeholder 2">
-            <a:extLst>
-              <a:ext uri="{FF2B5EF4-FFF2-40B4-BE49-F238E27FC236}">
-                <a16:creationId xmlns:a16="http://schemas.microsoft.com/office/drawing/2014/main" id="{E8E4EEEA-5FFE-0B97-CF36-CFC7A32D398D}"/>
-              </a:ext>
-            </a:extLst>
-          </p:cNvPr>
-          <p:cNvSpPr>
-            <a:spLocks noGrp="1"/>
-          </p:cNvSpPr>
-          <p:nvPr>
-            <p:ph idx="1"/>
-          </p:nvPr>
-        </p:nvSpPr>
-        <p:spPr/>
-        <p:txBody>
-          <a:bodyPr/>
-          <a:lstStyle/>
-          <a:p>
-            <a:pPr marL="514350" indent="-514350">
-              <a:buAutoNum type="arabicPeriod"/>
-            </a:pPr>
-            <a:r>
-              <a:rPr lang="en-US" b="1"/>
-              <a:t>Copy</a:t>
-            </a:r>
-            <a:r>
-              <a:rPr lang="en-US"/>
-              <a:t> </a:t>
-            </a:r>
-            <a:r>
-              <a:rPr lang="en-US" err="1"/>
-              <a:t>MicroCode</a:t>
-            </a:r>
-            <a:r>
-              <a:rPr lang="en-US"/>
-              <a:t> hex file onto micro:bit V2</a:t>
-            </a:r>
-          </a:p>
-          <a:p>
-            <a:pPr lvl="1"/>
-            <a:r>
-              <a:rPr lang="en-US"/>
-              <a:t>get file from dialog </a:t>
-            </a:r>
-            <a:r>
-              <a:rPr lang="en-US">
-                <a:hlinkClick r:id="rId2"/>
-              </a:rPr>
-              <a:t>https://aka.ms/microcode</a:t>
-            </a:r>
-            <a:r>
-              <a:rPr lang="en-US"/>
-              <a:t> </a:t>
-            </a:r>
-          </a:p>
-          <a:p>
-            <a:pPr marL="514350" indent="-514350">
-              <a:buFont typeface="+mj-lt"/>
-              <a:buAutoNum type="arabicPeriod"/>
-            </a:pPr>
-            <a:endParaRPr lang="en-US" b="1"/>
-          </a:p>
-          <a:p>
-            <a:pPr marL="514350" indent="-514350">
-              <a:buFont typeface="+mj-lt"/>
-              <a:buAutoNum type="arabicPeriod"/>
-            </a:pPr>
-            <a:r>
-              <a:rPr lang="en-US" b="1"/>
-              <a:t>Connect</a:t>
-            </a:r>
-            <a:r>
-              <a:rPr lang="en-US"/>
-              <a:t> the micro:bit to </a:t>
-            </a:r>
-            <a:r>
-              <a:rPr lang="en-US" err="1"/>
-              <a:t>MicroCode</a:t>
-            </a:r>
-            <a:r>
-              <a:rPr lang="en-US"/>
-              <a:t> editor. Either</a:t>
-            </a:r>
-          </a:p>
-          <a:p>
-            <a:pPr lvl="1"/>
-            <a:r>
-              <a:rPr lang="en-US"/>
-              <a:t>plug into </a:t>
-            </a:r>
-            <a:r>
-              <a:rPr lang="en-US" err="1">
-                <a:hlinkClick r:id="rId3"/>
-              </a:rPr>
-              <a:t>KittenBot</a:t>
-            </a:r>
-            <a:r>
-              <a:rPr lang="en-US">
-                <a:hlinkClick r:id="rId3"/>
-              </a:rPr>
-              <a:t> Arcade shield</a:t>
-            </a:r>
-            <a:r>
-              <a:rPr lang="en-US"/>
-              <a:t>, or</a:t>
-            </a:r>
-          </a:p>
-          <a:p>
-            <a:pPr lvl="1"/>
-            <a:r>
-              <a:rPr lang="en-US"/>
-              <a:t>connect via USB to web browser (dialog at </a:t>
-            </a:r>
-            <a:r>
-              <a:rPr lang="en-US">
-                <a:hlinkClick r:id="rId2"/>
-              </a:rPr>
-              <a:t>https://aka.ms/microcode</a:t>
-            </a:r>
-            <a:r>
-              <a:rPr lang="en-US"/>
-              <a:t>) </a:t>
-            </a:r>
-          </a:p>
-          <a:p>
-            <a:endParaRPr lang="en-US"/>
-          </a:p>
-        </p:txBody>
-      </p:sp>
-    </p:spTree>
-    <p:extLst>
-      <p:ext uri="{BB962C8B-B14F-4D97-AF65-F5344CB8AC3E}">
-        <p14:creationId xmlns:p14="http://schemas.microsoft.com/office/powerpoint/2010/main" val="3389339623"/>
-      </p:ext>
-    </p:extLst>
-  </p:cSld>
-  <p:clrMapOvr>
-    <a:masterClrMapping/>
-  </p:clrMapOvr>
-</p:sld>
-</file>
-
-<file path=ppt/slides/slide20.xml><?xml version="1.0" encoding="utf-8"?>
+<file path=ppt/slides/slide21.xml><?xml version="1.0" encoding="utf-8"?>
 <p:sld xmlns:a="http://schemas.openxmlformats.org/drawingml/2006/main" xmlns:r="http://schemas.openxmlformats.org/officeDocument/2006/relationships" xmlns:p="http://schemas.openxmlformats.org/presentationml/2006/main">
   <p:cSld>
     <p:spTree>
@@ -8331,7 +8553,7 @@
 </p:sld>
 </file>
 
-<file path=ppt/slides/slide21.xml><?xml version="1.0" encoding="utf-8"?>
+<file path=ppt/slides/slide22.xml><?xml version="1.0" encoding="utf-8"?>
 <p:sld xmlns:a="http://schemas.openxmlformats.org/drawingml/2006/main" xmlns:r="http://schemas.openxmlformats.org/officeDocument/2006/relationships" xmlns:p="http://schemas.openxmlformats.org/presentationml/2006/main">
   <p:cSld>
     <p:spTree>
@@ -8468,7 +8690,7 @@
 </p:sld>
 </file>
 
-<file path=ppt/slides/slide22.xml><?xml version="1.0" encoding="utf-8"?>
+<file path=ppt/slides/slide23.xml><?xml version="1.0" encoding="utf-8"?>
 <p:sld xmlns:a="http://schemas.openxmlformats.org/drawingml/2006/main" xmlns:r="http://schemas.openxmlformats.org/officeDocument/2006/relationships" xmlns:p="http://schemas.openxmlformats.org/presentationml/2006/main">
   <p:cSld>
     <p:spTree>
@@ -8766,7 +8988,7 @@
 </p:sld>
 </file>
 
-<file path=ppt/slides/slide23.xml><?xml version="1.0" encoding="utf-8"?>
+<file path=ppt/slides/slide24.xml><?xml version="1.0" encoding="utf-8"?>
 <p:sld xmlns:a="http://schemas.openxmlformats.org/drawingml/2006/main" xmlns:r="http://schemas.openxmlformats.org/officeDocument/2006/relationships" xmlns:p="http://schemas.openxmlformats.org/presentationml/2006/main">
   <p:cSld>
     <p:spTree>
@@ -8896,7 +9118,7 @@
 </p:sld>
 </file>
 
-<file path=ppt/slides/slide24.xml><?xml version="1.0" encoding="utf-8"?>
+<file path=ppt/slides/slide25.xml><?xml version="1.0" encoding="utf-8"?>
 <p:sld xmlns:a="http://schemas.openxmlformats.org/drawingml/2006/main" xmlns:r="http://schemas.openxmlformats.org/officeDocument/2006/relationships" xmlns:p="http://schemas.openxmlformats.org/presentationml/2006/main">
   <p:cSld>
     <p:spTree>
@@ -9026,7 +9248,7 @@
 </p:sld>
 </file>
 
-<file path=ppt/slides/slide25.xml><?xml version="1.0" encoding="utf-8"?>
+<file path=ppt/slides/slide26.xml><?xml version="1.0" encoding="utf-8"?>
 <p:sld xmlns:a="http://schemas.openxmlformats.org/drawingml/2006/main" xmlns:r="http://schemas.openxmlformats.org/officeDocument/2006/relationships" xmlns:p="http://schemas.openxmlformats.org/presentationml/2006/main">
   <p:cSld>
     <p:spTree>
@@ -9867,7 +10089,7 @@
 </p:sld>
 </file>
 
-<file path=ppt/slides/slide26.xml><?xml version="1.0" encoding="utf-8"?>
+<file path=ppt/slides/slide27.xml><?xml version="1.0" encoding="utf-8"?>
 <p:sld xmlns:a="http://schemas.openxmlformats.org/drawingml/2006/main" xmlns:r="http://schemas.openxmlformats.org/officeDocument/2006/relationships" xmlns:p="http://schemas.openxmlformats.org/presentationml/2006/main">
   <p:cSld>
     <p:spTree>
@@ -10018,6 +10240,1829 @@
     <p:extLst>
       <p:ext uri="{BB962C8B-B14F-4D97-AF65-F5344CB8AC3E}">
         <p14:creationId xmlns:p14="http://schemas.microsoft.com/office/powerpoint/2010/main" val="918826223"/>
+      </p:ext>
+    </p:extLst>
+  </p:cSld>
+  <p:clrMapOvr>
+    <a:masterClrMapping/>
+  </p:clrMapOvr>
+</p:sld>
+</file>
+
+<file path=ppt/slides/slide28.xml><?xml version="1.0" encoding="utf-8"?>
+<p:sld xmlns:a="http://schemas.openxmlformats.org/drawingml/2006/main" xmlns:r="http://schemas.openxmlformats.org/officeDocument/2006/relationships" xmlns:p="http://schemas.openxmlformats.org/presentationml/2006/main">
+  <p:cSld>
+    <p:spTree>
+      <p:nvGrpSpPr>
+        <p:cNvPr id="1" name=""/>
+        <p:cNvGrpSpPr/>
+        <p:nvPr/>
+      </p:nvGrpSpPr>
+      <p:grpSpPr>
+        <a:xfrm>
+          <a:off x="0" y="0"/>
+          <a:ext cx="0" cy="0"/>
+          <a:chOff x="0" y="0"/>
+          <a:chExt cx="0" cy="0"/>
+        </a:xfrm>
+      </p:grpSpPr>
+      <p:sp>
+        <p:nvSpPr>
+          <p:cNvPr id="2" name="Rectangle 1">
+            <a:extLst>
+              <a:ext uri="{FF2B5EF4-FFF2-40B4-BE49-F238E27FC236}">
+                <a16:creationId xmlns:a16="http://schemas.microsoft.com/office/drawing/2014/main" id="{7AB50B0E-AB89-FD23-AF3A-4AD4742D139E}"/>
+              </a:ext>
+            </a:extLst>
+          </p:cNvPr>
+          <p:cNvSpPr>
+            <a:spLocks noChangeArrowheads="1"/>
+          </p:cNvSpPr>
+          <p:nvPr/>
+        </p:nvSpPr>
+        <p:spPr bwMode="auto">
+          <a:xfrm>
+            <a:off x="1765425" y="2951433"/>
+            <a:ext cx="12192000" cy="0"/>
+          </a:xfrm>
+          <a:prstGeom prst="rect">
+            <a:avLst/>
+          </a:prstGeom>
+          <a:solidFill>
+            <a:srgbClr val="F3F6FA"/>
+          </a:solidFill>
+          <a:ln>
+            <a:noFill/>
+          </a:ln>
+          <a:effectLst/>
+          <a:extLst>
+            <a:ext uri="{91240B29-F687-4F45-9708-019B960494DF}">
+              <a14:hiddenLine xmlns:a14="http://schemas.microsoft.com/office/drawing/2010/main" w="9525">
+                <a:solidFill>
+                  <a:schemeClr val="tx1"/>
+                </a:solidFill>
+                <a:miter lim="800000"/>
+                <a:headEnd/>
+                <a:tailEnd/>
+              </a14:hiddenLine>
+            </a:ext>
+            <a:ext uri="{AF507438-7753-43E0-B8FC-AC1667EBCBE1}">
+              <a14:hiddenEffects xmlns:a14="http://schemas.microsoft.com/office/drawing/2010/main">
+                <a:effectLst>
+                  <a:outerShdw dist="35921" dir="2700000" algn="ctr" rotWithShape="0">
+                    <a:schemeClr val="bg2"/>
+                  </a:outerShdw>
+                </a:effectLst>
+              </a14:hiddenEffects>
+            </a:ext>
+          </a:extLst>
+        </p:spPr>
+        <p:txBody>
+          <a:bodyPr vert="horz" wrap="none" lIns="91440" tIns="0" rIns="91440" bIns="45720" numCol="1" anchor="ctr" anchorCtr="0" compatLnSpc="1">
+            <a:prstTxWarp prst="textNoShape">
+              <a:avLst/>
+            </a:prstTxWarp>
+            <a:spAutoFit/>
+          </a:bodyPr>
+          <a:lstStyle/>
+          <a:p>
+            <a:pPr marL="0" marR="0" lvl="0" indent="0" algn="l" defTabSz="914400" rtl="0" eaLnBrk="0" fontAlgn="base" latinLnBrk="0" hangingPunct="0">
+              <a:lnSpc>
+                <a:spcPct val="100000"/>
+              </a:lnSpc>
+              <a:spcBef>
+                <a:spcPct val="0"/>
+              </a:spcBef>
+              <a:spcAft>
+                <a:spcPct val="0"/>
+              </a:spcAft>
+              <a:buClrTx/>
+              <a:buSzTx/>
+              <a:buFontTx/>
+              <a:buNone/>
+              <a:tabLst/>
+            </a:pPr>
+            <a:endParaRPr kumimoji="0" lang="en-US" altLang="en-US" sz="1800" b="0" i="0" u="none" strike="noStrike" cap="none" normalizeH="0" baseline="0" dirty="0">
+              <a:ln>
+                <a:noFill/>
+              </a:ln>
+              <a:solidFill>
+                <a:schemeClr val="tx1"/>
+              </a:solidFill>
+              <a:effectLst/>
+              <a:latin typeface="Arial" panose="020B0604020202020204" pitchFamily="34" charset="0"/>
+            </a:endParaRPr>
+          </a:p>
+          <a:p>
+            <a:pPr marL="0" marR="0" lvl="0" indent="0" algn="l" defTabSz="914400" rtl="0" eaLnBrk="0" fontAlgn="base" latinLnBrk="0" hangingPunct="0">
+              <a:lnSpc>
+                <a:spcPct val="100000"/>
+              </a:lnSpc>
+              <a:spcBef>
+                <a:spcPct val="0"/>
+              </a:spcBef>
+              <a:spcAft>
+                <a:spcPct val="0"/>
+              </a:spcAft>
+              <a:buClrTx/>
+              <a:buSzTx/>
+              <a:buFontTx/>
+              <a:buChar char="•"/>
+              <a:tabLst/>
+            </a:pPr>
+            <a:r>
+              <a:rPr kumimoji="0" lang="en-US" altLang="en-US" sz="1200" b="0" i="0" u="none" strike="noStrike" cap="none" normalizeH="0" baseline="0" dirty="0">
+                <a:ln>
+                  <a:noFill/>
+                </a:ln>
+                <a:solidFill>
+                  <a:srgbClr val="606C71"/>
+                </a:solidFill>
+                <a:effectLst/>
+                <a:latin typeface="Open Sans" panose="020B0606030504020204" pitchFamily="34" charset="0"/>
+                <a:cs typeface="Open Sans" panose="020B0606030504020204" pitchFamily="34" charset="0"/>
+              </a:rPr>
+              <a:t>  </a:t>
+            </a:r>
+            <a:r>
+              <a:rPr kumimoji="0" lang="en-US" altLang="en-US" sz="1900" b="0" i="0" u="none" strike="noStrike" cap="none" normalizeH="0" baseline="0" dirty="0">
+                <a:ln>
+                  <a:noFill/>
+                </a:ln>
+                <a:solidFill>
+                  <a:srgbClr val="606C71"/>
+                </a:solidFill>
+                <a:effectLst/>
+                <a:latin typeface="Open Sans" panose="020B0606030504020204" pitchFamily="34" charset="0"/>
+                <a:cs typeface="Open Sans" panose="020B0606030504020204" pitchFamily="34" charset="0"/>
+              </a:rPr>
+              <a:t>     </a:t>
+            </a:r>
+            <a:r>
+              <a:rPr kumimoji="0" lang="en-US" altLang="en-US" sz="1200" b="0" i="0" u="none" strike="noStrike" cap="none" normalizeH="0" baseline="0" dirty="0">
+                <a:ln>
+                  <a:noFill/>
+                </a:ln>
+                <a:solidFill>
+                  <a:srgbClr val="606C71"/>
+                </a:solidFill>
+                <a:effectLst/>
+                <a:latin typeface="Open Sans" panose="020B0606030504020204" pitchFamily="34" charset="0"/>
+                <a:cs typeface="Open Sans" panose="020B0606030504020204" pitchFamily="34" charset="0"/>
+              </a:rPr>
+              <a:t> </a:t>
+            </a:r>
+            <a:r>
+              <a:rPr kumimoji="0" lang="en-US" altLang="en-US" sz="1000" b="0" i="0" u="none" strike="noStrike" cap="none" normalizeH="0" baseline="0" dirty="0">
+                <a:ln>
+                  <a:noFill/>
+                </a:ln>
+                <a:solidFill>
+                  <a:srgbClr val="567482"/>
+                </a:solidFill>
+                <a:effectLst/>
+                <a:latin typeface="Consolas" panose="020B0609020204030204" pitchFamily="49" charset="0"/>
+                <a:cs typeface="Open Sans" panose="020B0606030504020204" pitchFamily="34" charset="0"/>
+              </a:rPr>
+              <a:t>press</a:t>
+            </a:r>
+            <a:r>
+              <a:rPr kumimoji="0" lang="en-US" altLang="en-US" sz="1200" b="0" i="0" u="none" strike="noStrike" cap="none" normalizeH="0" baseline="0" dirty="0">
+                <a:ln>
+                  <a:noFill/>
+                </a:ln>
+                <a:solidFill>
+                  <a:srgbClr val="606C71"/>
+                </a:solidFill>
+                <a:effectLst/>
+                <a:latin typeface="Open Sans" panose="020B0606030504020204" pitchFamily="34" charset="0"/>
+                <a:cs typeface="Open Sans" panose="020B0606030504020204" pitchFamily="34" charset="0"/>
+              </a:rPr>
+              <a:t> of button, micro:bit icon, or pin</a:t>
+            </a:r>
+          </a:p>
+          <a:p>
+            <a:pPr marL="0" marR="0" lvl="0" indent="0" algn="l" defTabSz="914400" rtl="0" eaLnBrk="0" fontAlgn="base" latinLnBrk="0" hangingPunct="0">
+              <a:lnSpc>
+                <a:spcPct val="100000"/>
+              </a:lnSpc>
+              <a:spcBef>
+                <a:spcPct val="0"/>
+              </a:spcBef>
+              <a:spcAft>
+                <a:spcPct val="0"/>
+              </a:spcAft>
+              <a:buClrTx/>
+              <a:buSzTx/>
+              <a:buFontTx/>
+              <a:buChar char="•"/>
+              <a:tabLst/>
+            </a:pPr>
+            <a:r>
+              <a:rPr kumimoji="0" lang="en-US" altLang="en-US" sz="1200" b="0" i="0" u="none" strike="noStrike" cap="none" normalizeH="0" baseline="0" dirty="0">
+                <a:ln>
+                  <a:noFill/>
+                </a:ln>
+                <a:solidFill>
+                  <a:srgbClr val="606C71"/>
+                </a:solidFill>
+                <a:effectLst/>
+                <a:latin typeface="Open Sans" panose="020B0606030504020204" pitchFamily="34" charset="0"/>
+                <a:cs typeface="Open Sans" panose="020B0606030504020204" pitchFamily="34" charset="0"/>
+              </a:rPr>
+              <a:t>  </a:t>
+            </a:r>
+            <a:r>
+              <a:rPr kumimoji="0" lang="en-US" altLang="en-US" sz="1900" b="0" i="0" u="none" strike="noStrike" cap="none" normalizeH="0" baseline="0" dirty="0">
+                <a:ln>
+                  <a:noFill/>
+                </a:ln>
+                <a:solidFill>
+                  <a:srgbClr val="606C71"/>
+                </a:solidFill>
+                <a:effectLst/>
+                <a:latin typeface="Open Sans" panose="020B0606030504020204" pitchFamily="34" charset="0"/>
+                <a:cs typeface="Open Sans" panose="020B0606030504020204" pitchFamily="34" charset="0"/>
+              </a:rPr>
+              <a:t>     </a:t>
+            </a:r>
+            <a:r>
+              <a:rPr kumimoji="0" lang="en-US" altLang="en-US" sz="1200" b="0" i="0" u="none" strike="noStrike" cap="none" normalizeH="0" baseline="0" dirty="0">
+                <a:ln>
+                  <a:noFill/>
+                </a:ln>
+                <a:solidFill>
+                  <a:srgbClr val="606C71"/>
+                </a:solidFill>
+                <a:effectLst/>
+                <a:latin typeface="Open Sans" panose="020B0606030504020204" pitchFamily="34" charset="0"/>
+                <a:cs typeface="Open Sans" panose="020B0606030504020204" pitchFamily="34" charset="0"/>
+              </a:rPr>
+              <a:t> </a:t>
+            </a:r>
+            <a:r>
+              <a:rPr kumimoji="0" lang="en-US" altLang="en-US" sz="1000" b="0" i="0" u="none" strike="noStrike" cap="none" normalizeH="0" baseline="0" dirty="0">
+                <a:ln>
+                  <a:noFill/>
+                </a:ln>
+                <a:solidFill>
+                  <a:srgbClr val="567482"/>
+                </a:solidFill>
+                <a:effectLst/>
+                <a:latin typeface="Consolas" panose="020B0609020204030204" pitchFamily="49" charset="0"/>
+                <a:cs typeface="Open Sans" panose="020B0606030504020204" pitchFamily="34" charset="0"/>
+              </a:rPr>
+              <a:t>release</a:t>
+            </a:r>
+            <a:r>
+              <a:rPr kumimoji="0" lang="en-US" altLang="en-US" sz="1200" b="0" i="0" u="none" strike="noStrike" cap="none" normalizeH="0" baseline="0" dirty="0">
+                <a:ln>
+                  <a:noFill/>
+                </a:ln>
+                <a:solidFill>
+                  <a:srgbClr val="606C71"/>
+                </a:solidFill>
+                <a:effectLst/>
+                <a:latin typeface="Open Sans" panose="020B0606030504020204" pitchFamily="34" charset="0"/>
+                <a:cs typeface="Open Sans" panose="020B0606030504020204" pitchFamily="34" charset="0"/>
+              </a:rPr>
+              <a:t> of button, micro:bit icon, or pin</a:t>
+            </a:r>
+          </a:p>
+          <a:p>
+            <a:pPr marL="0" marR="0" lvl="0" indent="0" algn="l" defTabSz="914400" rtl="0" eaLnBrk="0" fontAlgn="base" latinLnBrk="0" hangingPunct="0">
+              <a:lnSpc>
+                <a:spcPct val="100000"/>
+              </a:lnSpc>
+              <a:spcBef>
+                <a:spcPct val="0"/>
+              </a:spcBef>
+              <a:spcAft>
+                <a:spcPct val="0"/>
+              </a:spcAft>
+              <a:buClrTx/>
+              <a:buSzTx/>
+              <a:buFontTx/>
+              <a:buChar char="•"/>
+              <a:tabLst/>
+            </a:pPr>
+            <a:r>
+              <a:rPr kumimoji="0" lang="en-US" altLang="en-US" sz="1200" b="0" i="0" u="none" strike="noStrike" cap="none" normalizeH="0" baseline="0" dirty="0">
+                <a:ln>
+                  <a:noFill/>
+                </a:ln>
+                <a:solidFill>
+                  <a:srgbClr val="606C71"/>
+                </a:solidFill>
+                <a:effectLst/>
+                <a:latin typeface="Open Sans" panose="020B0606030504020204" pitchFamily="34" charset="0"/>
+                <a:cs typeface="Open Sans" panose="020B0606030504020204" pitchFamily="34" charset="0"/>
+              </a:rPr>
+              <a:t>  </a:t>
+            </a:r>
+            <a:r>
+              <a:rPr kumimoji="0" lang="en-US" altLang="en-US" sz="1900" b="0" i="0" u="none" strike="noStrike" cap="none" normalizeH="0" baseline="0" dirty="0">
+                <a:ln>
+                  <a:noFill/>
+                </a:ln>
+                <a:solidFill>
+                  <a:srgbClr val="606C71"/>
+                </a:solidFill>
+                <a:effectLst/>
+                <a:latin typeface="Open Sans" panose="020B0606030504020204" pitchFamily="34" charset="0"/>
+                <a:cs typeface="Open Sans" panose="020B0606030504020204" pitchFamily="34" charset="0"/>
+              </a:rPr>
+              <a:t>     </a:t>
+            </a:r>
+            <a:r>
+              <a:rPr kumimoji="0" lang="en-US" altLang="en-US" sz="1200" b="0" i="0" u="none" strike="noStrike" cap="none" normalizeH="0" baseline="0" dirty="0">
+                <a:ln>
+                  <a:noFill/>
+                </a:ln>
+                <a:solidFill>
+                  <a:srgbClr val="606C71"/>
+                </a:solidFill>
+                <a:effectLst/>
+                <a:latin typeface="Open Sans" panose="020B0606030504020204" pitchFamily="34" charset="0"/>
+                <a:cs typeface="Open Sans" panose="020B0606030504020204" pitchFamily="34" charset="0"/>
+              </a:rPr>
+              <a:t> </a:t>
+            </a:r>
+            <a:r>
+              <a:rPr kumimoji="0" lang="en-US" altLang="en-US" sz="1000" b="0" i="0" u="none" strike="noStrike" cap="none" normalizeH="0" baseline="0" dirty="0">
+                <a:ln>
+                  <a:noFill/>
+                </a:ln>
+                <a:solidFill>
+                  <a:srgbClr val="567482"/>
+                </a:solidFill>
+                <a:effectLst/>
+                <a:latin typeface="Consolas" panose="020B0609020204030204" pitchFamily="49" charset="0"/>
+                <a:cs typeface="Open Sans" panose="020B0606030504020204" pitchFamily="34" charset="0"/>
+              </a:rPr>
+              <a:t>move</a:t>
+            </a:r>
+            <a:r>
+              <a:rPr kumimoji="0" lang="en-US" altLang="en-US" sz="1200" b="0" i="0" u="none" strike="noStrike" cap="none" normalizeH="0" baseline="0" dirty="0">
+                <a:ln>
+                  <a:noFill/>
+                </a:ln>
+                <a:solidFill>
+                  <a:srgbClr val="606C71"/>
+                </a:solidFill>
+                <a:effectLst/>
+                <a:latin typeface="Open Sans" panose="020B0606030504020204" pitchFamily="34" charset="0"/>
+                <a:cs typeface="Open Sans" panose="020B0606030504020204" pitchFamily="34" charset="0"/>
+              </a:rPr>
+              <a:t> of accelerometer, in various ways</a:t>
+            </a:r>
+          </a:p>
+          <a:p>
+            <a:pPr marL="0" marR="0" lvl="0" indent="0" algn="l" defTabSz="914400" rtl="0" eaLnBrk="0" fontAlgn="base" latinLnBrk="0" hangingPunct="0">
+              <a:lnSpc>
+                <a:spcPct val="100000"/>
+              </a:lnSpc>
+              <a:spcBef>
+                <a:spcPct val="0"/>
+              </a:spcBef>
+              <a:spcAft>
+                <a:spcPct val="0"/>
+              </a:spcAft>
+              <a:buClrTx/>
+              <a:buSzTx/>
+              <a:buFontTx/>
+              <a:buChar char="•"/>
+              <a:tabLst/>
+            </a:pPr>
+            <a:r>
+              <a:rPr kumimoji="0" lang="en-US" altLang="en-US" sz="1200" b="0" i="0" u="none" strike="noStrike" cap="none" normalizeH="0" baseline="0" dirty="0">
+                <a:ln>
+                  <a:noFill/>
+                </a:ln>
+                <a:solidFill>
+                  <a:srgbClr val="606C71"/>
+                </a:solidFill>
+                <a:effectLst/>
+                <a:latin typeface="Open Sans" panose="020B0606030504020204" pitchFamily="34" charset="0"/>
+                <a:cs typeface="Open Sans" panose="020B0606030504020204" pitchFamily="34" charset="0"/>
+              </a:rPr>
+              <a:t>  </a:t>
+            </a:r>
+            <a:r>
+              <a:rPr kumimoji="0" lang="en-US" altLang="en-US" sz="1900" b="0" i="0" u="none" strike="noStrike" cap="none" normalizeH="0" baseline="0" dirty="0">
+                <a:ln>
+                  <a:noFill/>
+                </a:ln>
+                <a:solidFill>
+                  <a:srgbClr val="606C71"/>
+                </a:solidFill>
+                <a:effectLst/>
+                <a:latin typeface="Open Sans" panose="020B0606030504020204" pitchFamily="34" charset="0"/>
+                <a:cs typeface="Open Sans" panose="020B0606030504020204" pitchFamily="34" charset="0"/>
+              </a:rPr>
+              <a:t>     </a:t>
+            </a:r>
+            <a:r>
+              <a:rPr kumimoji="0" lang="en-US" altLang="en-US" sz="1200" b="0" i="0" u="none" strike="noStrike" cap="none" normalizeH="0" baseline="0" dirty="0">
+                <a:ln>
+                  <a:noFill/>
+                </a:ln>
+                <a:solidFill>
+                  <a:srgbClr val="606C71"/>
+                </a:solidFill>
+                <a:effectLst/>
+                <a:latin typeface="Open Sans" panose="020B0606030504020204" pitchFamily="34" charset="0"/>
+                <a:cs typeface="Open Sans" panose="020B0606030504020204" pitchFamily="34" charset="0"/>
+              </a:rPr>
+              <a:t> </a:t>
+            </a:r>
+            <a:r>
+              <a:rPr kumimoji="0" lang="en-US" altLang="en-US" sz="1000" b="0" i="0" u="none" strike="noStrike" cap="none" normalizeH="0" baseline="0" dirty="0">
+                <a:ln>
+                  <a:noFill/>
+                </a:ln>
+                <a:solidFill>
+                  <a:srgbClr val="567482"/>
+                </a:solidFill>
+                <a:effectLst/>
+                <a:latin typeface="Consolas" panose="020B0609020204030204" pitchFamily="49" charset="0"/>
+                <a:cs typeface="Open Sans" panose="020B0606030504020204" pitchFamily="34" charset="0"/>
+              </a:rPr>
+              <a:t>hear</a:t>
+            </a:r>
+            <a:r>
+              <a:rPr kumimoji="0" lang="en-US" altLang="en-US" sz="1200" b="0" i="0" u="none" strike="noStrike" cap="none" normalizeH="0" baseline="0" dirty="0">
+                <a:ln>
+                  <a:noFill/>
+                </a:ln>
+                <a:solidFill>
+                  <a:srgbClr val="606C71"/>
+                </a:solidFill>
+                <a:effectLst/>
+                <a:latin typeface="Open Sans" panose="020B0606030504020204" pitchFamily="34" charset="0"/>
+                <a:cs typeface="Open Sans" panose="020B0606030504020204" pitchFamily="34" charset="0"/>
+              </a:rPr>
+              <a:t> a sound, either loud or soft</a:t>
+            </a:r>
+          </a:p>
+          <a:p>
+            <a:pPr marL="0" marR="0" lvl="0" indent="0" algn="l" defTabSz="914400" rtl="0" eaLnBrk="0" fontAlgn="base" latinLnBrk="0" hangingPunct="0">
+              <a:lnSpc>
+                <a:spcPct val="100000"/>
+              </a:lnSpc>
+              <a:spcBef>
+                <a:spcPct val="0"/>
+              </a:spcBef>
+              <a:spcAft>
+                <a:spcPct val="0"/>
+              </a:spcAft>
+              <a:buClrTx/>
+              <a:buSzTx/>
+              <a:buFontTx/>
+              <a:buChar char="•"/>
+              <a:tabLst/>
+            </a:pPr>
+            <a:r>
+              <a:rPr kumimoji="0" lang="en-US" altLang="en-US" sz="1200" b="0" i="0" u="none" strike="noStrike" cap="none" normalizeH="0" baseline="0" dirty="0">
+                <a:ln>
+                  <a:noFill/>
+                </a:ln>
+                <a:solidFill>
+                  <a:srgbClr val="606C71"/>
+                </a:solidFill>
+                <a:effectLst/>
+                <a:latin typeface="Open Sans" panose="020B0606030504020204" pitchFamily="34" charset="0"/>
+                <a:cs typeface="Open Sans" panose="020B0606030504020204" pitchFamily="34" charset="0"/>
+              </a:rPr>
+              <a:t>  </a:t>
+            </a:r>
+            <a:r>
+              <a:rPr kumimoji="0" lang="en-US" altLang="en-US" sz="1900" b="0" i="0" u="none" strike="noStrike" cap="none" normalizeH="0" baseline="0" dirty="0">
+                <a:ln>
+                  <a:noFill/>
+                </a:ln>
+                <a:solidFill>
+                  <a:srgbClr val="606C71"/>
+                </a:solidFill>
+                <a:effectLst/>
+                <a:latin typeface="Open Sans" panose="020B0606030504020204" pitchFamily="34" charset="0"/>
+                <a:cs typeface="Open Sans" panose="020B0606030504020204" pitchFamily="34" charset="0"/>
+              </a:rPr>
+              <a:t>     </a:t>
+            </a:r>
+            <a:r>
+              <a:rPr kumimoji="0" lang="en-US" altLang="en-US" sz="1200" b="0" i="0" u="none" strike="noStrike" cap="none" normalizeH="0" baseline="0" dirty="0">
+                <a:ln>
+                  <a:noFill/>
+                </a:ln>
+                <a:solidFill>
+                  <a:srgbClr val="606C71"/>
+                </a:solidFill>
+                <a:effectLst/>
+                <a:latin typeface="Open Sans" panose="020B0606030504020204" pitchFamily="34" charset="0"/>
+                <a:cs typeface="Open Sans" panose="020B0606030504020204" pitchFamily="34" charset="0"/>
+              </a:rPr>
+              <a:t> </a:t>
+            </a:r>
+            <a:r>
+              <a:rPr kumimoji="0" lang="en-US" altLang="en-US" sz="1000" b="0" i="0" u="none" strike="noStrike" cap="none" normalizeH="0" baseline="0" dirty="0">
+                <a:ln>
+                  <a:noFill/>
+                </a:ln>
+                <a:solidFill>
+                  <a:srgbClr val="567482"/>
+                </a:solidFill>
+                <a:effectLst/>
+                <a:latin typeface="Consolas" panose="020B0609020204030204" pitchFamily="49" charset="0"/>
+                <a:cs typeface="Open Sans" panose="020B0606030504020204" pitchFamily="34" charset="0"/>
+              </a:rPr>
+              <a:t>temperature change</a:t>
+            </a:r>
+            <a:r>
+              <a:rPr kumimoji="0" lang="en-US" altLang="en-US" sz="1200" b="0" i="0" u="none" strike="noStrike" cap="none" normalizeH="0" baseline="0" dirty="0">
+                <a:ln>
+                  <a:noFill/>
+                </a:ln>
+                <a:solidFill>
+                  <a:srgbClr val="606C71"/>
+                </a:solidFill>
+                <a:effectLst/>
+                <a:latin typeface="Open Sans" panose="020B0606030504020204" pitchFamily="34" charset="0"/>
+                <a:cs typeface="Open Sans" panose="020B0606030504020204" pitchFamily="34" charset="0"/>
+              </a:rPr>
+              <a:t>, either </a:t>
+            </a:r>
+            <a:r>
+              <a:rPr kumimoji="0" lang="en-US" altLang="en-US" sz="1000" b="0" i="0" u="none" strike="noStrike" cap="none" normalizeH="0" baseline="0" dirty="0">
+                <a:ln>
+                  <a:noFill/>
+                </a:ln>
+                <a:solidFill>
+                  <a:srgbClr val="567482"/>
+                </a:solidFill>
+                <a:effectLst/>
+                <a:latin typeface="Consolas" panose="020B0609020204030204" pitchFamily="49" charset="0"/>
+                <a:cs typeface="Open Sans" panose="020B0606030504020204" pitchFamily="34" charset="0"/>
+              </a:rPr>
+              <a:t>warmer</a:t>
+            </a:r>
+            <a:r>
+              <a:rPr kumimoji="0" lang="en-US" altLang="en-US" sz="1200" b="0" i="0" u="none" strike="noStrike" cap="none" normalizeH="0" baseline="0" dirty="0">
+                <a:ln>
+                  <a:noFill/>
+                </a:ln>
+                <a:solidFill>
+                  <a:srgbClr val="606C71"/>
+                </a:solidFill>
+                <a:effectLst/>
+                <a:latin typeface="Open Sans" panose="020B0606030504020204" pitchFamily="34" charset="0"/>
+                <a:cs typeface="Open Sans" panose="020B0606030504020204" pitchFamily="34" charset="0"/>
+              </a:rPr>
+              <a:t> or </a:t>
+            </a:r>
+            <a:r>
+              <a:rPr kumimoji="0" lang="en-US" altLang="en-US" sz="1000" b="0" i="0" u="none" strike="noStrike" cap="none" normalizeH="0" baseline="0" dirty="0">
+                <a:ln>
+                  <a:noFill/>
+                </a:ln>
+                <a:solidFill>
+                  <a:srgbClr val="567482"/>
+                </a:solidFill>
+                <a:effectLst/>
+                <a:latin typeface="Consolas" panose="020B0609020204030204" pitchFamily="49" charset="0"/>
+                <a:cs typeface="Open Sans" panose="020B0606030504020204" pitchFamily="34" charset="0"/>
+              </a:rPr>
+              <a:t>colder</a:t>
+            </a:r>
+            <a:endParaRPr kumimoji="0" lang="en-US" altLang="en-US" sz="1200" b="0" i="0" u="none" strike="noStrike" cap="none" normalizeH="0" baseline="0" dirty="0">
+              <a:ln>
+                <a:noFill/>
+              </a:ln>
+              <a:solidFill>
+                <a:srgbClr val="606C71"/>
+              </a:solidFill>
+              <a:effectLst/>
+              <a:latin typeface="Open Sans" panose="020B0606030504020204" pitchFamily="34" charset="0"/>
+              <a:cs typeface="Open Sans" panose="020B0606030504020204" pitchFamily="34" charset="0"/>
+            </a:endParaRPr>
+          </a:p>
+          <a:p>
+            <a:pPr marL="0" marR="0" lvl="0" indent="0" algn="l" defTabSz="914400" rtl="0" eaLnBrk="0" fontAlgn="base" latinLnBrk="0" hangingPunct="0">
+              <a:lnSpc>
+                <a:spcPct val="100000"/>
+              </a:lnSpc>
+              <a:spcBef>
+                <a:spcPct val="0"/>
+              </a:spcBef>
+              <a:spcAft>
+                <a:spcPct val="0"/>
+              </a:spcAft>
+              <a:buClrTx/>
+              <a:buSzTx/>
+              <a:buFontTx/>
+              <a:buChar char="•"/>
+              <a:tabLst/>
+            </a:pPr>
+            <a:r>
+              <a:rPr kumimoji="0" lang="en-US" altLang="en-US" sz="1200" b="0" i="0" u="none" strike="noStrike" cap="none" normalizeH="0" baseline="0" dirty="0">
+                <a:ln>
+                  <a:noFill/>
+                </a:ln>
+                <a:solidFill>
+                  <a:srgbClr val="606C71"/>
+                </a:solidFill>
+                <a:effectLst/>
+                <a:latin typeface="Open Sans" panose="020B0606030504020204" pitchFamily="34" charset="0"/>
+                <a:cs typeface="Open Sans" panose="020B0606030504020204" pitchFamily="34" charset="0"/>
+              </a:rPr>
+              <a:t>  </a:t>
+            </a:r>
+            <a:r>
+              <a:rPr kumimoji="0" lang="en-US" altLang="en-US" sz="1900" b="0" i="0" u="none" strike="noStrike" cap="none" normalizeH="0" baseline="0" dirty="0">
+                <a:ln>
+                  <a:noFill/>
+                </a:ln>
+                <a:solidFill>
+                  <a:srgbClr val="606C71"/>
+                </a:solidFill>
+                <a:effectLst/>
+                <a:latin typeface="Open Sans" panose="020B0606030504020204" pitchFamily="34" charset="0"/>
+                <a:cs typeface="Open Sans" panose="020B0606030504020204" pitchFamily="34" charset="0"/>
+              </a:rPr>
+              <a:t>     </a:t>
+            </a:r>
+            <a:r>
+              <a:rPr kumimoji="0" lang="en-US" altLang="en-US" sz="1200" b="0" i="0" u="none" strike="noStrike" cap="none" normalizeH="0" baseline="0" dirty="0">
+                <a:ln>
+                  <a:noFill/>
+                </a:ln>
+                <a:solidFill>
+                  <a:srgbClr val="606C71"/>
+                </a:solidFill>
+                <a:effectLst/>
+                <a:latin typeface="Open Sans" panose="020B0606030504020204" pitchFamily="34" charset="0"/>
+                <a:cs typeface="Open Sans" panose="020B0606030504020204" pitchFamily="34" charset="0"/>
+              </a:rPr>
+              <a:t> </a:t>
+            </a:r>
+            <a:r>
+              <a:rPr kumimoji="0" lang="en-US" altLang="en-US" sz="1000" b="0" i="0" u="none" strike="noStrike" cap="none" normalizeH="0" baseline="0" dirty="0">
+                <a:ln>
+                  <a:noFill/>
+                </a:ln>
+                <a:solidFill>
+                  <a:srgbClr val="567482"/>
+                </a:solidFill>
+                <a:effectLst/>
+                <a:latin typeface="Consolas" panose="020B0609020204030204" pitchFamily="49" charset="0"/>
+                <a:cs typeface="Open Sans" panose="020B0606030504020204" pitchFamily="34" charset="0"/>
+              </a:rPr>
+              <a:t>radio receive</a:t>
+            </a:r>
+            <a:r>
+              <a:rPr kumimoji="0" lang="en-US" altLang="en-US" sz="1200" b="0" i="0" u="none" strike="noStrike" cap="none" normalizeH="0" baseline="0" dirty="0">
+                <a:ln>
+                  <a:noFill/>
+                </a:ln>
+                <a:solidFill>
+                  <a:srgbClr val="606C71"/>
+                </a:solidFill>
+                <a:effectLst/>
+                <a:latin typeface="Open Sans" panose="020B0606030504020204" pitchFamily="34" charset="0"/>
+                <a:cs typeface="Open Sans" panose="020B0606030504020204" pitchFamily="34" charset="0"/>
+              </a:rPr>
+              <a:t> of a number</a:t>
+            </a:r>
+          </a:p>
+          <a:p>
+            <a:pPr marL="0" marR="0" lvl="0" indent="0" algn="l" defTabSz="914400" rtl="0" eaLnBrk="0" fontAlgn="base" latinLnBrk="0" hangingPunct="0">
+              <a:lnSpc>
+                <a:spcPct val="100000"/>
+              </a:lnSpc>
+              <a:spcBef>
+                <a:spcPct val="0"/>
+              </a:spcBef>
+              <a:spcAft>
+                <a:spcPct val="0"/>
+              </a:spcAft>
+              <a:buClrTx/>
+              <a:buSzTx/>
+              <a:buFontTx/>
+              <a:buChar char="•"/>
+              <a:tabLst/>
+            </a:pPr>
+            <a:r>
+              <a:rPr kumimoji="0" lang="en-US" altLang="en-US" sz="1200" b="0" i="0" u="none" strike="noStrike" cap="none" normalizeH="0" baseline="0" dirty="0">
+                <a:ln>
+                  <a:noFill/>
+                </a:ln>
+                <a:solidFill>
+                  <a:srgbClr val="606C71"/>
+                </a:solidFill>
+                <a:effectLst/>
+                <a:latin typeface="Open Sans" panose="020B0606030504020204" pitchFamily="34" charset="0"/>
+                <a:cs typeface="Open Sans" panose="020B0606030504020204" pitchFamily="34" charset="0"/>
+              </a:rPr>
+              <a:t>  </a:t>
+            </a:r>
+            <a:r>
+              <a:rPr kumimoji="0" lang="en-US" altLang="en-US" sz="1900" b="0" i="0" u="none" strike="noStrike" cap="none" normalizeH="0" baseline="0" dirty="0">
+                <a:ln>
+                  <a:noFill/>
+                </a:ln>
+                <a:solidFill>
+                  <a:srgbClr val="606C71"/>
+                </a:solidFill>
+                <a:effectLst/>
+                <a:latin typeface="Open Sans" panose="020B0606030504020204" pitchFamily="34" charset="0"/>
+                <a:cs typeface="Open Sans" panose="020B0606030504020204" pitchFamily="34" charset="0"/>
+              </a:rPr>
+              <a:t>     </a:t>
+            </a:r>
+            <a:r>
+              <a:rPr kumimoji="0" lang="en-US" altLang="en-US" sz="1200" b="0" i="0" u="none" strike="noStrike" cap="none" normalizeH="0" baseline="0" dirty="0">
+                <a:ln>
+                  <a:noFill/>
+                </a:ln>
+                <a:solidFill>
+                  <a:srgbClr val="606C71"/>
+                </a:solidFill>
+                <a:effectLst/>
+                <a:latin typeface="Open Sans" panose="020B0606030504020204" pitchFamily="34" charset="0"/>
+                <a:cs typeface="Open Sans" panose="020B0606030504020204" pitchFamily="34" charset="0"/>
+              </a:rPr>
+              <a:t> </a:t>
+            </a:r>
+            <a:r>
+              <a:rPr kumimoji="0" lang="en-US" altLang="en-US" sz="1000" b="0" i="0" u="none" strike="noStrike" cap="none" normalizeH="0" baseline="0" dirty="0">
+                <a:ln>
+                  <a:noFill/>
+                </a:ln>
+                <a:solidFill>
+                  <a:srgbClr val="567482"/>
+                </a:solidFill>
+                <a:effectLst/>
+                <a:latin typeface="Consolas" panose="020B0609020204030204" pitchFamily="49" charset="0"/>
+                <a:cs typeface="Open Sans" panose="020B0606030504020204" pitchFamily="34" charset="0"/>
+              </a:rPr>
+              <a:t>start page</a:t>
+            </a:r>
+            <a:r>
+              <a:rPr kumimoji="0" lang="en-US" altLang="en-US" sz="1200" b="0" i="0" u="none" strike="noStrike" cap="none" normalizeH="0" baseline="0" dirty="0">
+                <a:ln>
+                  <a:noFill/>
+                </a:ln>
+                <a:solidFill>
+                  <a:srgbClr val="606C71"/>
+                </a:solidFill>
+                <a:effectLst/>
+                <a:latin typeface="Open Sans" panose="020B0606030504020204" pitchFamily="34" charset="0"/>
+                <a:cs typeface="Open Sans" panose="020B0606030504020204" pitchFamily="34" charset="0"/>
+              </a:rPr>
+              <a:t> only runs when the page is started (or switched to), with an optional delay</a:t>
+            </a:r>
+          </a:p>
+          <a:p>
+            <a:pPr marL="0" marR="0" lvl="0" indent="0" algn="l" defTabSz="914400" rtl="0" eaLnBrk="0" fontAlgn="base" latinLnBrk="0" hangingPunct="0">
+              <a:lnSpc>
+                <a:spcPct val="100000"/>
+              </a:lnSpc>
+              <a:spcBef>
+                <a:spcPct val="0"/>
+              </a:spcBef>
+              <a:spcAft>
+                <a:spcPct val="0"/>
+              </a:spcAft>
+              <a:buClrTx/>
+              <a:buSzTx/>
+              <a:buFontTx/>
+              <a:buChar char="•"/>
+              <a:tabLst/>
+            </a:pPr>
+            <a:r>
+              <a:rPr kumimoji="0" lang="en-US" altLang="en-US" sz="1200" b="0" i="0" u="none" strike="noStrike" cap="none" normalizeH="0" baseline="0" dirty="0">
+                <a:ln>
+                  <a:noFill/>
+                </a:ln>
+                <a:solidFill>
+                  <a:srgbClr val="606C71"/>
+                </a:solidFill>
+                <a:effectLst/>
+                <a:latin typeface="Open Sans" panose="020B0606030504020204" pitchFamily="34" charset="0"/>
+                <a:cs typeface="Open Sans" panose="020B0606030504020204" pitchFamily="34" charset="0"/>
+              </a:rPr>
+              <a:t>  </a:t>
+            </a:r>
+            <a:r>
+              <a:rPr kumimoji="0" lang="en-US" altLang="en-US" sz="1900" b="0" i="0" u="none" strike="noStrike" cap="none" normalizeH="0" baseline="0" dirty="0">
+                <a:ln>
+                  <a:noFill/>
+                </a:ln>
+                <a:solidFill>
+                  <a:srgbClr val="606C71"/>
+                </a:solidFill>
+                <a:effectLst/>
+                <a:latin typeface="Open Sans" panose="020B0606030504020204" pitchFamily="34" charset="0"/>
+                <a:cs typeface="Open Sans" panose="020B0606030504020204" pitchFamily="34" charset="0"/>
+              </a:rPr>
+              <a:t>     </a:t>
+            </a:r>
+            <a:r>
+              <a:rPr kumimoji="0" lang="en-US" altLang="en-US" sz="1200" b="0" i="0" u="none" strike="noStrike" cap="none" normalizeH="0" baseline="0" dirty="0">
+                <a:ln>
+                  <a:noFill/>
+                </a:ln>
+                <a:solidFill>
+                  <a:srgbClr val="606C71"/>
+                </a:solidFill>
+                <a:effectLst/>
+                <a:latin typeface="Open Sans" panose="020B0606030504020204" pitchFamily="34" charset="0"/>
+                <a:cs typeface="Open Sans" panose="020B0606030504020204" pitchFamily="34" charset="0"/>
+              </a:rPr>
+              <a:t> </a:t>
+            </a:r>
+            <a:r>
+              <a:rPr kumimoji="0" lang="en-US" altLang="en-US" sz="1000" b="0" i="0" u="none" strike="noStrike" cap="none" normalizeH="0" baseline="0" dirty="0">
+                <a:ln>
+                  <a:noFill/>
+                </a:ln>
+                <a:solidFill>
+                  <a:srgbClr val="567482"/>
+                </a:solidFill>
+                <a:effectLst/>
+                <a:latin typeface="Consolas" panose="020B0609020204030204" pitchFamily="49" charset="0"/>
+                <a:cs typeface="Open Sans" panose="020B0606030504020204" pitchFamily="34" charset="0"/>
+              </a:rPr>
+              <a:t>timer</a:t>
+            </a:r>
+            <a:r>
+              <a:rPr kumimoji="0" lang="en-US" altLang="en-US" sz="1200" b="0" i="0" u="none" strike="noStrike" cap="none" normalizeH="0" baseline="0" dirty="0">
+                <a:ln>
+                  <a:noFill/>
+                </a:ln>
+                <a:solidFill>
+                  <a:srgbClr val="606C71"/>
+                </a:solidFill>
+                <a:effectLst/>
+                <a:latin typeface="Open Sans" panose="020B0606030504020204" pitchFamily="34" charset="0"/>
+                <a:cs typeface="Open Sans" panose="020B0606030504020204" pitchFamily="34" charset="0"/>
+              </a:rPr>
+              <a:t> of a time</a:t>
+            </a:r>
+          </a:p>
+          <a:p>
+            <a:pPr marL="0" marR="0" lvl="0" indent="0" algn="l" defTabSz="914400" rtl="0" eaLnBrk="0" fontAlgn="base" latinLnBrk="0" hangingPunct="0">
+              <a:lnSpc>
+                <a:spcPct val="100000"/>
+              </a:lnSpc>
+              <a:spcBef>
+                <a:spcPct val="0"/>
+              </a:spcBef>
+              <a:spcAft>
+                <a:spcPct val="0"/>
+              </a:spcAft>
+              <a:buClrTx/>
+              <a:buSzTx/>
+              <a:buFontTx/>
+              <a:buChar char="•"/>
+              <a:tabLst/>
+            </a:pPr>
+            <a:r>
+              <a:rPr kumimoji="0" lang="en-US" altLang="en-US" sz="1200" b="0" i="0" u="none" strike="noStrike" cap="none" normalizeH="0" baseline="0" dirty="0">
+                <a:ln>
+                  <a:noFill/>
+                </a:ln>
+                <a:solidFill>
+                  <a:srgbClr val="606C71"/>
+                </a:solidFill>
+                <a:effectLst/>
+                <a:latin typeface="Open Sans" panose="020B0606030504020204" pitchFamily="34" charset="0"/>
+                <a:cs typeface="Open Sans" panose="020B0606030504020204" pitchFamily="34" charset="0"/>
+              </a:rPr>
+              <a:t>  </a:t>
+            </a:r>
+            <a:r>
+              <a:rPr kumimoji="0" lang="en-US" altLang="en-US" sz="1900" b="0" i="0" u="none" strike="noStrike" cap="none" normalizeH="0" baseline="0" dirty="0">
+                <a:ln>
+                  <a:noFill/>
+                </a:ln>
+                <a:solidFill>
+                  <a:srgbClr val="606C71"/>
+                </a:solidFill>
+                <a:effectLst/>
+                <a:latin typeface="Open Sans" panose="020B0606030504020204" pitchFamily="34" charset="0"/>
+                <a:cs typeface="Open Sans" panose="020B0606030504020204" pitchFamily="34" charset="0"/>
+              </a:rPr>
+              <a:t>     </a:t>
+            </a:r>
+            <a:r>
+              <a:rPr kumimoji="0" lang="en-US" altLang="en-US" sz="1200" b="0" i="0" u="none" strike="noStrike" cap="none" normalizeH="0" baseline="0" dirty="0">
+                <a:ln>
+                  <a:noFill/>
+                </a:ln>
+                <a:solidFill>
+                  <a:srgbClr val="606C71"/>
+                </a:solidFill>
+                <a:effectLst/>
+                <a:latin typeface="Open Sans" panose="020B0606030504020204" pitchFamily="34" charset="0"/>
+                <a:cs typeface="Open Sans" panose="020B0606030504020204" pitchFamily="34" charset="0"/>
+              </a:rPr>
+              <a:t>   </a:t>
+            </a:r>
+            <a:r>
+              <a:rPr kumimoji="0" lang="en-US" altLang="en-US" sz="1900" b="0" i="0" u="none" strike="noStrike" cap="none" normalizeH="0" baseline="0" dirty="0">
+                <a:ln>
+                  <a:noFill/>
+                </a:ln>
+                <a:solidFill>
+                  <a:srgbClr val="606C71"/>
+                </a:solidFill>
+                <a:effectLst/>
+                <a:latin typeface="Open Sans" panose="020B0606030504020204" pitchFamily="34" charset="0"/>
+                <a:cs typeface="Open Sans" panose="020B0606030504020204" pitchFamily="34" charset="0"/>
+              </a:rPr>
+              <a:t>     </a:t>
+            </a:r>
+            <a:r>
+              <a:rPr kumimoji="0" lang="en-US" altLang="en-US" sz="1200" b="0" i="0" u="none" strike="noStrike" cap="none" normalizeH="0" baseline="0" dirty="0">
+                <a:ln>
+                  <a:noFill/>
+                </a:ln>
+                <a:solidFill>
+                  <a:srgbClr val="606C71"/>
+                </a:solidFill>
+                <a:effectLst/>
+                <a:latin typeface="Open Sans" panose="020B0606030504020204" pitchFamily="34" charset="0"/>
+                <a:cs typeface="Open Sans" panose="020B0606030504020204" pitchFamily="34" charset="0"/>
+              </a:rPr>
+              <a:t>   </a:t>
+            </a:r>
+            <a:r>
+              <a:rPr kumimoji="0" lang="en-US" altLang="en-US" sz="1900" b="0" i="0" u="none" strike="noStrike" cap="none" normalizeH="0" baseline="0" dirty="0">
+                <a:ln>
+                  <a:noFill/>
+                </a:ln>
+                <a:solidFill>
+                  <a:srgbClr val="606C71"/>
+                </a:solidFill>
+                <a:effectLst/>
+                <a:latin typeface="Open Sans" panose="020B0606030504020204" pitchFamily="34" charset="0"/>
+                <a:cs typeface="Open Sans" panose="020B0606030504020204" pitchFamily="34" charset="0"/>
+              </a:rPr>
+              <a:t>     </a:t>
+            </a:r>
+            <a:r>
+              <a:rPr kumimoji="0" lang="en-US" altLang="en-US" sz="1200" b="0" i="0" u="none" strike="noStrike" cap="none" normalizeH="0" baseline="0" dirty="0">
+                <a:ln>
+                  <a:noFill/>
+                </a:ln>
+                <a:solidFill>
+                  <a:srgbClr val="606C71"/>
+                </a:solidFill>
+                <a:effectLst/>
+                <a:latin typeface="Open Sans" panose="020B0606030504020204" pitchFamily="34" charset="0"/>
+                <a:cs typeface="Open Sans" panose="020B0606030504020204" pitchFamily="34" charset="0"/>
+              </a:rPr>
+              <a:t> </a:t>
+            </a:r>
+            <a:r>
+              <a:rPr kumimoji="0" lang="en-US" altLang="en-US" sz="1000" b="0" i="0" u="none" strike="noStrike" cap="none" normalizeH="0" baseline="0" dirty="0">
+                <a:ln>
+                  <a:noFill/>
+                </a:ln>
+                <a:solidFill>
+                  <a:srgbClr val="567482"/>
+                </a:solidFill>
+                <a:effectLst/>
+                <a:latin typeface="Consolas" panose="020B0609020204030204" pitchFamily="49" charset="0"/>
+                <a:cs typeface="Open Sans" panose="020B0606030504020204" pitchFamily="34" charset="0"/>
+              </a:rPr>
+              <a:t>variable (X,Y,Z) changed</a:t>
+            </a:r>
+            <a:r>
+              <a:rPr kumimoji="0" lang="en-US" altLang="en-US" sz="1200" b="0" i="0" u="none" strike="noStrike" cap="none" normalizeH="0" baseline="0" dirty="0">
+                <a:ln>
+                  <a:noFill/>
+                </a:ln>
+                <a:solidFill>
+                  <a:srgbClr val="606C71"/>
+                </a:solidFill>
+                <a:effectLst/>
+                <a:latin typeface="Open Sans" panose="020B0606030504020204" pitchFamily="34" charset="0"/>
+                <a:cs typeface="Open Sans" panose="020B0606030504020204" pitchFamily="34" charset="0"/>
+              </a:rPr>
+              <a:t> to a number</a:t>
+            </a:r>
+          </a:p>
+          <a:p>
+            <a:pPr marL="0" marR="0" lvl="0" indent="0" algn="l" defTabSz="914400" rtl="0" eaLnBrk="0" fontAlgn="base" latinLnBrk="0" hangingPunct="0">
+              <a:lnSpc>
+                <a:spcPct val="100000"/>
+              </a:lnSpc>
+              <a:spcBef>
+                <a:spcPct val="0"/>
+              </a:spcBef>
+              <a:spcAft>
+                <a:spcPct val="0"/>
+              </a:spcAft>
+              <a:buClrTx/>
+              <a:buSzTx/>
+              <a:buFontTx/>
+              <a:buNone/>
+              <a:tabLst/>
+            </a:pPr>
+            <a:endParaRPr kumimoji="0" lang="en-US" altLang="en-US" sz="1800" b="0" i="0" u="none" strike="noStrike" cap="none" normalizeH="0" baseline="0" dirty="0">
+              <a:ln>
+                <a:noFill/>
+              </a:ln>
+              <a:solidFill>
+                <a:schemeClr val="tx1"/>
+              </a:solidFill>
+              <a:effectLst/>
+              <a:latin typeface="Arial" panose="020B0604020202020204" pitchFamily="34" charset="0"/>
+            </a:endParaRPr>
+          </a:p>
+        </p:txBody>
+      </p:sp>
+    </p:spTree>
+    <p:extLst>
+      <p:ext uri="{BB962C8B-B14F-4D97-AF65-F5344CB8AC3E}">
+        <p14:creationId xmlns:p14="http://schemas.microsoft.com/office/powerpoint/2010/main" val="2359508205"/>
+      </p:ext>
+    </p:extLst>
+  </p:cSld>
+  <p:clrMapOvr>
+    <a:masterClrMapping/>
+  </p:clrMapOvr>
+</p:sld>
+</file>
+
+<file path=ppt/slides/slide29.xml><?xml version="1.0" encoding="utf-8"?>
+<p:sld xmlns:a="http://schemas.openxmlformats.org/drawingml/2006/main" xmlns:r="http://schemas.openxmlformats.org/officeDocument/2006/relationships" xmlns:p="http://schemas.openxmlformats.org/presentationml/2006/main">
+  <p:cSld>
+    <p:spTree>
+      <p:nvGrpSpPr>
+        <p:cNvPr id="1" name=""/>
+        <p:cNvGrpSpPr/>
+        <p:nvPr/>
+      </p:nvGrpSpPr>
+      <p:grpSpPr>
+        <a:xfrm>
+          <a:off x="0" y="0"/>
+          <a:ext cx="0" cy="0"/>
+          <a:chOff x="0" y="0"/>
+          <a:chExt cx="0" cy="0"/>
+        </a:xfrm>
+      </p:grpSpPr>
+      <p:pic>
+        <p:nvPicPr>
+          <p:cNvPr id="37" name="Picture 36">
+            <a:extLst>
+              <a:ext uri="{FF2B5EF4-FFF2-40B4-BE49-F238E27FC236}">
+                <a16:creationId xmlns:a16="http://schemas.microsoft.com/office/drawing/2014/main" id="{57E211C0-A21D-11D4-516E-78F6F9B56BFD}"/>
+              </a:ext>
+            </a:extLst>
+          </p:cNvPr>
+          <p:cNvPicPr>
+            <a:picLocks noChangeAspect="1"/>
+          </p:cNvPicPr>
+          <p:nvPr/>
+        </p:nvPicPr>
+        <p:blipFill rotWithShape="1">
+          <a:blip r:embed="rId2"/>
+          <a:srcRect r="5928" b="19320"/>
+          <a:stretch/>
+        </p:blipFill>
+        <p:spPr>
+          <a:xfrm>
+            <a:off x="181840" y="724551"/>
+            <a:ext cx="4620237" cy="5896947"/>
+          </a:xfrm>
+          <a:prstGeom prst="rect">
+            <a:avLst/>
+          </a:prstGeom>
+        </p:spPr>
+      </p:pic>
+      <p:pic>
+        <p:nvPicPr>
+          <p:cNvPr id="43" name="Picture 42">
+            <a:extLst>
+              <a:ext uri="{FF2B5EF4-FFF2-40B4-BE49-F238E27FC236}">
+                <a16:creationId xmlns:a16="http://schemas.microsoft.com/office/drawing/2014/main" id="{BEF9FED0-9C25-1794-DF16-8E9BD935486D}"/>
+              </a:ext>
+            </a:extLst>
+          </p:cNvPr>
+          <p:cNvPicPr>
+            <a:picLocks noChangeAspect="1"/>
+          </p:cNvPicPr>
+          <p:nvPr/>
+        </p:nvPicPr>
+        <p:blipFill>
+          <a:blip r:embed="rId3"/>
+          <a:stretch>
+            <a:fillRect/>
+          </a:stretch>
+        </p:blipFill>
+        <p:spPr>
+          <a:xfrm>
+            <a:off x="3499931" y="718548"/>
+            <a:ext cx="4204284" cy="5561045"/>
+          </a:xfrm>
+          <a:prstGeom prst="rect">
+            <a:avLst/>
+          </a:prstGeom>
+        </p:spPr>
+      </p:pic>
+      <p:sp>
+        <p:nvSpPr>
+          <p:cNvPr id="44" name="Rectangle 43">
+            <a:extLst>
+              <a:ext uri="{FF2B5EF4-FFF2-40B4-BE49-F238E27FC236}">
+                <a16:creationId xmlns:a16="http://schemas.microsoft.com/office/drawing/2014/main" id="{01351E9E-9BA1-F2CD-7270-BDB7ED35A291}"/>
+              </a:ext>
+            </a:extLst>
+          </p:cNvPr>
+          <p:cNvSpPr/>
+          <p:nvPr/>
+        </p:nvSpPr>
+        <p:spPr>
+          <a:xfrm>
+            <a:off x="3052061" y="827187"/>
+            <a:ext cx="447870" cy="415214"/>
+          </a:xfrm>
+          <a:prstGeom prst="rect">
+            <a:avLst/>
+          </a:prstGeom>
+          <a:solidFill>
+            <a:schemeClr val="bg1"/>
+          </a:solidFill>
+          <a:ln>
+            <a:noFill/>
+          </a:ln>
+        </p:spPr>
+        <p:style>
+          <a:lnRef idx="2">
+            <a:schemeClr val="accent1">
+              <a:shade val="50000"/>
+            </a:schemeClr>
+          </a:lnRef>
+          <a:fillRef idx="1">
+            <a:schemeClr val="accent1"/>
+          </a:fillRef>
+          <a:effectRef idx="0">
+            <a:schemeClr val="accent1"/>
+          </a:effectRef>
+          <a:fontRef idx="minor">
+            <a:schemeClr val="lt1"/>
+          </a:fontRef>
+        </p:style>
+        <p:txBody>
+          <a:bodyPr rtlCol="0" anchor="ctr"/>
+          <a:lstStyle/>
+          <a:p>
+            <a:pPr algn="ctr"/>
+            <a:endParaRPr lang="en-US"/>
+          </a:p>
+        </p:txBody>
+      </p:sp>
+      <p:sp>
+        <p:nvSpPr>
+          <p:cNvPr id="45" name="Rectangle 44">
+            <a:extLst>
+              <a:ext uri="{FF2B5EF4-FFF2-40B4-BE49-F238E27FC236}">
+                <a16:creationId xmlns:a16="http://schemas.microsoft.com/office/drawing/2014/main" id="{2AEBA4DE-0D7B-529B-6AE9-38AB91254B85}"/>
+              </a:ext>
+            </a:extLst>
+          </p:cNvPr>
+          <p:cNvSpPr/>
+          <p:nvPr/>
+        </p:nvSpPr>
+        <p:spPr>
+          <a:xfrm>
+            <a:off x="1115623" y="36421"/>
+            <a:ext cx="3454408" cy="646331"/>
+          </a:xfrm>
+          <a:prstGeom prst="rect">
+            <a:avLst/>
+          </a:prstGeom>
+          <a:noFill/>
+        </p:spPr>
+        <p:txBody>
+          <a:bodyPr wrap="none" lIns="91440" tIns="45720" rIns="91440" bIns="45720">
+            <a:spAutoFit/>
+          </a:bodyPr>
+          <a:lstStyle/>
+          <a:p>
+            <a:pPr algn="ctr"/>
+            <a:r>
+              <a:rPr lang="en-US" sz="3600" b="0" cap="none" spc="0" dirty="0">
+                <a:ln w="0"/>
+                <a:solidFill>
+                  <a:schemeClr val="tx1"/>
+                </a:solidFill>
+                <a:effectLst>
+                  <a:outerShdw blurRad="38100" dist="19050" dir="2700000" algn="tl" rotWithShape="0">
+                    <a:schemeClr val="dk1">
+                      <a:alpha val="40000"/>
+                    </a:schemeClr>
+                  </a:outerShdw>
+                </a:effectLst>
+              </a:rPr>
+              <a:t>Events and Filters</a:t>
+            </a:r>
+          </a:p>
+        </p:txBody>
+      </p:sp>
+      <p:sp>
+        <p:nvSpPr>
+          <p:cNvPr id="46" name="Rectangle 45">
+            <a:extLst>
+              <a:ext uri="{FF2B5EF4-FFF2-40B4-BE49-F238E27FC236}">
+                <a16:creationId xmlns:a16="http://schemas.microsoft.com/office/drawing/2014/main" id="{2E4F4BE8-DAD4-C781-901E-7E2772A526CC}"/>
+              </a:ext>
+            </a:extLst>
+          </p:cNvPr>
+          <p:cNvSpPr/>
+          <p:nvPr/>
+        </p:nvSpPr>
+        <p:spPr>
+          <a:xfrm>
+            <a:off x="7207338" y="40161"/>
+            <a:ext cx="4283673" cy="646331"/>
+          </a:xfrm>
+          <a:prstGeom prst="rect">
+            <a:avLst/>
+          </a:prstGeom>
+          <a:noFill/>
+        </p:spPr>
+        <p:txBody>
+          <a:bodyPr wrap="none" lIns="91440" tIns="45720" rIns="91440" bIns="45720">
+            <a:spAutoFit/>
+          </a:bodyPr>
+          <a:lstStyle/>
+          <a:p>
+            <a:pPr algn="ctr"/>
+            <a:r>
+              <a:rPr lang="en-US" sz="3600" dirty="0">
+                <a:ln w="0"/>
+                <a:effectLst>
+                  <a:outerShdw blurRad="38100" dist="19050" dir="2700000" algn="tl" rotWithShape="0">
+                    <a:schemeClr val="dk1">
+                      <a:alpha val="40000"/>
+                    </a:schemeClr>
+                  </a:outerShdw>
+                </a:effectLst>
+              </a:rPr>
+              <a:t>Actions and Modifiers</a:t>
+            </a:r>
+            <a:endParaRPr lang="en-US" sz="3600" b="0" cap="none" spc="0" dirty="0">
+              <a:ln w="0"/>
+              <a:solidFill>
+                <a:schemeClr val="tx1"/>
+              </a:solidFill>
+              <a:effectLst>
+                <a:outerShdw blurRad="38100" dist="19050" dir="2700000" algn="tl" rotWithShape="0">
+                  <a:schemeClr val="dk1">
+                    <a:alpha val="40000"/>
+                  </a:schemeClr>
+                </a:outerShdw>
+              </a:effectLst>
+            </a:endParaRPr>
+          </a:p>
+        </p:txBody>
+      </p:sp>
+      <p:sp>
+        <p:nvSpPr>
+          <p:cNvPr id="47" name="Rectangle 46">
+            <a:extLst>
+              <a:ext uri="{FF2B5EF4-FFF2-40B4-BE49-F238E27FC236}">
+                <a16:creationId xmlns:a16="http://schemas.microsoft.com/office/drawing/2014/main" id="{88226B70-D29B-7775-DE42-2413DFFB162F}"/>
+              </a:ext>
+            </a:extLst>
+          </p:cNvPr>
+          <p:cNvSpPr/>
+          <p:nvPr/>
+        </p:nvSpPr>
+        <p:spPr>
+          <a:xfrm>
+            <a:off x="373858" y="1242401"/>
+            <a:ext cx="447870" cy="2568692"/>
+          </a:xfrm>
+          <a:prstGeom prst="rect">
+            <a:avLst/>
+          </a:prstGeom>
+          <a:solidFill>
+            <a:schemeClr val="bg1"/>
+          </a:solidFill>
+          <a:ln>
+            <a:noFill/>
+          </a:ln>
+        </p:spPr>
+        <p:style>
+          <a:lnRef idx="2">
+            <a:schemeClr val="accent1">
+              <a:shade val="50000"/>
+            </a:schemeClr>
+          </a:lnRef>
+          <a:fillRef idx="1">
+            <a:schemeClr val="accent1"/>
+          </a:fillRef>
+          <a:effectRef idx="0">
+            <a:schemeClr val="accent1"/>
+          </a:effectRef>
+          <a:fontRef idx="minor">
+            <a:schemeClr val="lt1"/>
+          </a:fontRef>
+        </p:style>
+        <p:txBody>
+          <a:bodyPr rtlCol="0" anchor="ctr"/>
+          <a:lstStyle/>
+          <a:p>
+            <a:pPr algn="ctr"/>
+            <a:endParaRPr lang="en-US" dirty="0"/>
+          </a:p>
+        </p:txBody>
+      </p:sp>
+      <p:sp>
+        <p:nvSpPr>
+          <p:cNvPr id="48" name="Rectangle 47">
+            <a:extLst>
+              <a:ext uri="{FF2B5EF4-FFF2-40B4-BE49-F238E27FC236}">
+                <a16:creationId xmlns:a16="http://schemas.microsoft.com/office/drawing/2014/main" id="{A788C600-E371-29DD-0274-A7D93D766AB0}"/>
+              </a:ext>
+            </a:extLst>
+          </p:cNvPr>
+          <p:cNvSpPr/>
+          <p:nvPr/>
+        </p:nvSpPr>
+        <p:spPr>
+          <a:xfrm>
+            <a:off x="373858" y="4463926"/>
+            <a:ext cx="447870" cy="2568692"/>
+          </a:xfrm>
+          <a:prstGeom prst="rect">
+            <a:avLst/>
+          </a:prstGeom>
+          <a:solidFill>
+            <a:schemeClr val="bg1"/>
+          </a:solidFill>
+          <a:ln>
+            <a:noFill/>
+          </a:ln>
+        </p:spPr>
+        <p:style>
+          <a:lnRef idx="2">
+            <a:schemeClr val="accent1">
+              <a:shade val="50000"/>
+            </a:schemeClr>
+          </a:lnRef>
+          <a:fillRef idx="1">
+            <a:schemeClr val="accent1"/>
+          </a:fillRef>
+          <a:effectRef idx="0">
+            <a:schemeClr val="accent1"/>
+          </a:effectRef>
+          <a:fontRef idx="minor">
+            <a:schemeClr val="lt1"/>
+          </a:fontRef>
+        </p:style>
+        <p:txBody>
+          <a:bodyPr rtlCol="0" anchor="ctr"/>
+          <a:lstStyle/>
+          <a:p>
+            <a:pPr algn="ctr"/>
+            <a:endParaRPr lang="en-US" dirty="0"/>
+          </a:p>
+        </p:txBody>
+      </p:sp>
+      <p:sp>
+        <p:nvSpPr>
+          <p:cNvPr id="49" name="Rectangle 48">
+            <a:extLst>
+              <a:ext uri="{FF2B5EF4-FFF2-40B4-BE49-F238E27FC236}">
+                <a16:creationId xmlns:a16="http://schemas.microsoft.com/office/drawing/2014/main" id="{A9C32308-87CA-5D93-517B-0A3EE16AE4C4}"/>
+              </a:ext>
+            </a:extLst>
+          </p:cNvPr>
+          <p:cNvSpPr/>
+          <p:nvPr/>
+        </p:nvSpPr>
+        <p:spPr>
+          <a:xfrm>
+            <a:off x="3691949" y="1242401"/>
+            <a:ext cx="447870" cy="739892"/>
+          </a:xfrm>
+          <a:prstGeom prst="rect">
+            <a:avLst/>
+          </a:prstGeom>
+          <a:solidFill>
+            <a:schemeClr val="bg1"/>
+          </a:solidFill>
+          <a:ln>
+            <a:noFill/>
+          </a:ln>
+        </p:spPr>
+        <p:style>
+          <a:lnRef idx="2">
+            <a:schemeClr val="accent1">
+              <a:shade val="50000"/>
+            </a:schemeClr>
+          </a:lnRef>
+          <a:fillRef idx="1">
+            <a:schemeClr val="accent1"/>
+          </a:fillRef>
+          <a:effectRef idx="0">
+            <a:schemeClr val="accent1"/>
+          </a:effectRef>
+          <a:fontRef idx="minor">
+            <a:schemeClr val="lt1"/>
+          </a:fontRef>
+        </p:style>
+        <p:txBody>
+          <a:bodyPr rtlCol="0" anchor="ctr"/>
+          <a:lstStyle/>
+          <a:p>
+            <a:pPr algn="ctr"/>
+            <a:endParaRPr lang="en-US" dirty="0"/>
+          </a:p>
+        </p:txBody>
+      </p:sp>
+      <p:sp>
+        <p:nvSpPr>
+          <p:cNvPr id="50" name="Rectangle 49">
+            <a:extLst>
+              <a:ext uri="{FF2B5EF4-FFF2-40B4-BE49-F238E27FC236}">
+                <a16:creationId xmlns:a16="http://schemas.microsoft.com/office/drawing/2014/main" id="{045D19D3-A221-57D4-26BC-B1317236612D}"/>
+              </a:ext>
+            </a:extLst>
+          </p:cNvPr>
+          <p:cNvSpPr/>
+          <p:nvPr/>
+        </p:nvSpPr>
+        <p:spPr>
+          <a:xfrm>
+            <a:off x="3608958" y="2653233"/>
+            <a:ext cx="447870" cy="739892"/>
+          </a:xfrm>
+          <a:prstGeom prst="rect">
+            <a:avLst/>
+          </a:prstGeom>
+          <a:solidFill>
+            <a:schemeClr val="bg1"/>
+          </a:solidFill>
+          <a:ln>
+            <a:noFill/>
+          </a:ln>
+        </p:spPr>
+        <p:style>
+          <a:lnRef idx="2">
+            <a:schemeClr val="accent1">
+              <a:shade val="50000"/>
+            </a:schemeClr>
+          </a:lnRef>
+          <a:fillRef idx="1">
+            <a:schemeClr val="accent1"/>
+          </a:fillRef>
+          <a:effectRef idx="0">
+            <a:schemeClr val="accent1"/>
+          </a:effectRef>
+          <a:fontRef idx="minor">
+            <a:schemeClr val="lt1"/>
+          </a:fontRef>
+        </p:style>
+        <p:txBody>
+          <a:bodyPr rtlCol="0" anchor="ctr"/>
+          <a:lstStyle/>
+          <a:p>
+            <a:pPr algn="ctr"/>
+            <a:endParaRPr lang="en-US" dirty="0"/>
+          </a:p>
+        </p:txBody>
+      </p:sp>
+      <p:sp>
+        <p:nvSpPr>
+          <p:cNvPr id="51" name="Rectangle 50">
+            <a:extLst>
+              <a:ext uri="{FF2B5EF4-FFF2-40B4-BE49-F238E27FC236}">
+                <a16:creationId xmlns:a16="http://schemas.microsoft.com/office/drawing/2014/main" id="{9DFF6917-8FD1-14A1-0050-0F7F1F8D18F9}"/>
+              </a:ext>
+            </a:extLst>
+          </p:cNvPr>
+          <p:cNvSpPr/>
+          <p:nvPr/>
+        </p:nvSpPr>
+        <p:spPr>
+          <a:xfrm>
+            <a:off x="3608957" y="4093980"/>
+            <a:ext cx="530861" cy="1573074"/>
+          </a:xfrm>
+          <a:prstGeom prst="rect">
+            <a:avLst/>
+          </a:prstGeom>
+          <a:solidFill>
+            <a:schemeClr val="bg1"/>
+          </a:solidFill>
+          <a:ln>
+            <a:noFill/>
+          </a:ln>
+        </p:spPr>
+        <p:style>
+          <a:lnRef idx="2">
+            <a:schemeClr val="accent1">
+              <a:shade val="50000"/>
+            </a:schemeClr>
+          </a:lnRef>
+          <a:fillRef idx="1">
+            <a:schemeClr val="accent1"/>
+          </a:fillRef>
+          <a:effectRef idx="0">
+            <a:schemeClr val="accent1"/>
+          </a:effectRef>
+          <a:fontRef idx="minor">
+            <a:schemeClr val="lt1"/>
+          </a:fontRef>
+        </p:style>
+        <p:txBody>
+          <a:bodyPr rtlCol="0" anchor="ctr"/>
+          <a:lstStyle/>
+          <a:p>
+            <a:pPr algn="ctr"/>
+            <a:endParaRPr lang="en-US" dirty="0"/>
+          </a:p>
+        </p:txBody>
+      </p:sp>
+      <p:pic>
+        <p:nvPicPr>
+          <p:cNvPr id="9" name="Picture 8">
+            <a:extLst>
+              <a:ext uri="{FF2B5EF4-FFF2-40B4-BE49-F238E27FC236}">
+                <a16:creationId xmlns:a16="http://schemas.microsoft.com/office/drawing/2014/main" id="{70784869-C7DD-6A67-3F15-BBD04E3577D0}"/>
+              </a:ext>
+            </a:extLst>
+          </p:cNvPr>
+          <p:cNvPicPr>
+            <a:picLocks noChangeAspect="1"/>
+          </p:cNvPicPr>
+          <p:nvPr/>
+        </p:nvPicPr>
+        <p:blipFill>
+          <a:blip r:embed="rId4"/>
+          <a:stretch>
+            <a:fillRect/>
+          </a:stretch>
+        </p:blipFill>
+        <p:spPr>
+          <a:xfrm>
+            <a:off x="6606588" y="730910"/>
+            <a:ext cx="3241995" cy="5202790"/>
+          </a:xfrm>
+          <a:prstGeom prst="rect">
+            <a:avLst/>
+          </a:prstGeom>
+        </p:spPr>
+      </p:pic>
+      <p:sp>
+        <p:nvSpPr>
+          <p:cNvPr id="10" name="Rectangle 9">
+            <a:extLst>
+              <a:ext uri="{FF2B5EF4-FFF2-40B4-BE49-F238E27FC236}">
+                <a16:creationId xmlns:a16="http://schemas.microsoft.com/office/drawing/2014/main" id="{446543A1-5A7A-411D-E298-EA0EC5C7DEEA}"/>
+              </a:ext>
+            </a:extLst>
+          </p:cNvPr>
+          <p:cNvSpPr/>
+          <p:nvPr/>
+        </p:nvSpPr>
+        <p:spPr>
+          <a:xfrm>
+            <a:off x="6818022" y="1302785"/>
+            <a:ext cx="447870" cy="309562"/>
+          </a:xfrm>
+          <a:prstGeom prst="rect">
+            <a:avLst/>
+          </a:prstGeom>
+          <a:solidFill>
+            <a:schemeClr val="bg1"/>
+          </a:solidFill>
+          <a:ln>
+            <a:noFill/>
+          </a:ln>
+        </p:spPr>
+        <p:style>
+          <a:lnRef idx="2">
+            <a:schemeClr val="accent1">
+              <a:shade val="50000"/>
+            </a:schemeClr>
+          </a:lnRef>
+          <a:fillRef idx="1">
+            <a:schemeClr val="accent1"/>
+          </a:fillRef>
+          <a:effectRef idx="0">
+            <a:schemeClr val="accent1"/>
+          </a:effectRef>
+          <a:fontRef idx="minor">
+            <a:schemeClr val="lt1"/>
+          </a:fontRef>
+        </p:style>
+        <p:txBody>
+          <a:bodyPr rtlCol="0" anchor="ctr"/>
+          <a:lstStyle/>
+          <a:p>
+            <a:pPr algn="ctr"/>
+            <a:endParaRPr lang="en-US" dirty="0"/>
+          </a:p>
+        </p:txBody>
+      </p:sp>
+      <p:sp>
+        <p:nvSpPr>
+          <p:cNvPr id="11" name="Rectangle 10">
+            <a:extLst>
+              <a:ext uri="{FF2B5EF4-FFF2-40B4-BE49-F238E27FC236}">
+                <a16:creationId xmlns:a16="http://schemas.microsoft.com/office/drawing/2014/main" id="{5C8BF34E-7531-75F2-8A32-C7F3858354F8}"/>
+              </a:ext>
+            </a:extLst>
+          </p:cNvPr>
+          <p:cNvSpPr/>
+          <p:nvPr/>
+        </p:nvSpPr>
+        <p:spPr>
+          <a:xfrm>
+            <a:off x="6759468" y="2217185"/>
+            <a:ext cx="447870" cy="309562"/>
+          </a:xfrm>
+          <a:prstGeom prst="rect">
+            <a:avLst/>
+          </a:prstGeom>
+          <a:solidFill>
+            <a:schemeClr val="bg1"/>
+          </a:solidFill>
+          <a:ln>
+            <a:noFill/>
+          </a:ln>
+        </p:spPr>
+        <p:style>
+          <a:lnRef idx="2">
+            <a:schemeClr val="accent1">
+              <a:shade val="50000"/>
+            </a:schemeClr>
+          </a:lnRef>
+          <a:fillRef idx="1">
+            <a:schemeClr val="accent1"/>
+          </a:fillRef>
+          <a:effectRef idx="0">
+            <a:schemeClr val="accent1"/>
+          </a:effectRef>
+          <a:fontRef idx="minor">
+            <a:schemeClr val="lt1"/>
+          </a:fontRef>
+        </p:style>
+        <p:txBody>
+          <a:bodyPr rtlCol="0" anchor="ctr"/>
+          <a:lstStyle/>
+          <a:p>
+            <a:pPr algn="ctr"/>
+            <a:endParaRPr lang="en-US" dirty="0"/>
+          </a:p>
+        </p:txBody>
+      </p:sp>
+      <p:sp>
+        <p:nvSpPr>
+          <p:cNvPr id="12" name="Rectangle 11">
+            <a:extLst>
+              <a:ext uri="{FF2B5EF4-FFF2-40B4-BE49-F238E27FC236}">
+                <a16:creationId xmlns:a16="http://schemas.microsoft.com/office/drawing/2014/main" id="{8E844F0B-E9E2-A397-DDAB-E985266C248D}"/>
+              </a:ext>
+            </a:extLst>
+          </p:cNvPr>
+          <p:cNvSpPr/>
+          <p:nvPr/>
+        </p:nvSpPr>
+        <p:spPr>
+          <a:xfrm>
+            <a:off x="6771282" y="3238344"/>
+            <a:ext cx="447870" cy="1635660"/>
+          </a:xfrm>
+          <a:prstGeom prst="rect">
+            <a:avLst/>
+          </a:prstGeom>
+          <a:solidFill>
+            <a:schemeClr val="bg1"/>
+          </a:solidFill>
+          <a:ln>
+            <a:noFill/>
+          </a:ln>
+        </p:spPr>
+        <p:style>
+          <a:lnRef idx="2">
+            <a:schemeClr val="accent1">
+              <a:shade val="50000"/>
+            </a:schemeClr>
+          </a:lnRef>
+          <a:fillRef idx="1">
+            <a:schemeClr val="accent1"/>
+          </a:fillRef>
+          <a:effectRef idx="0">
+            <a:schemeClr val="accent1"/>
+          </a:effectRef>
+          <a:fontRef idx="minor">
+            <a:schemeClr val="lt1"/>
+          </a:fontRef>
+        </p:style>
+        <p:txBody>
+          <a:bodyPr rtlCol="0" anchor="ctr"/>
+          <a:lstStyle/>
+          <a:p>
+            <a:pPr algn="ctr"/>
+            <a:endParaRPr lang="en-US" dirty="0"/>
+          </a:p>
+        </p:txBody>
+      </p:sp>
+      <p:sp>
+        <p:nvSpPr>
+          <p:cNvPr id="13" name="Rectangle 12">
+            <a:extLst>
+              <a:ext uri="{FF2B5EF4-FFF2-40B4-BE49-F238E27FC236}">
+                <a16:creationId xmlns:a16="http://schemas.microsoft.com/office/drawing/2014/main" id="{06489E07-96A7-241A-5507-BCCC7E71CE6C}"/>
+              </a:ext>
+            </a:extLst>
+          </p:cNvPr>
+          <p:cNvSpPr/>
+          <p:nvPr/>
+        </p:nvSpPr>
+        <p:spPr>
+          <a:xfrm>
+            <a:off x="6759468" y="5606260"/>
+            <a:ext cx="447870" cy="1635660"/>
+          </a:xfrm>
+          <a:prstGeom prst="rect">
+            <a:avLst/>
+          </a:prstGeom>
+          <a:solidFill>
+            <a:schemeClr val="bg1"/>
+          </a:solidFill>
+          <a:ln>
+            <a:noFill/>
+          </a:ln>
+        </p:spPr>
+        <p:style>
+          <a:lnRef idx="2">
+            <a:schemeClr val="accent1">
+              <a:shade val="50000"/>
+            </a:schemeClr>
+          </a:lnRef>
+          <a:fillRef idx="1">
+            <a:schemeClr val="accent1"/>
+          </a:fillRef>
+          <a:effectRef idx="0">
+            <a:schemeClr val="accent1"/>
+          </a:effectRef>
+          <a:fontRef idx="minor">
+            <a:schemeClr val="lt1"/>
+          </a:fontRef>
+        </p:style>
+        <p:txBody>
+          <a:bodyPr rtlCol="0" anchor="ctr"/>
+          <a:lstStyle/>
+          <a:p>
+            <a:pPr algn="ctr"/>
+            <a:endParaRPr lang="en-US" dirty="0"/>
+          </a:p>
+        </p:txBody>
+      </p:sp>
+      <p:pic>
+        <p:nvPicPr>
+          <p:cNvPr id="15" name="Picture 14">
+            <a:extLst>
+              <a:ext uri="{FF2B5EF4-FFF2-40B4-BE49-F238E27FC236}">
+                <a16:creationId xmlns:a16="http://schemas.microsoft.com/office/drawing/2014/main" id="{15A80FC6-3CCA-DF5A-C7EC-B59B4D3D422B}"/>
+              </a:ext>
+            </a:extLst>
+          </p:cNvPr>
+          <p:cNvPicPr>
+            <a:picLocks noChangeAspect="1"/>
+          </p:cNvPicPr>
+          <p:nvPr/>
+        </p:nvPicPr>
+        <p:blipFill>
+          <a:blip r:embed="rId5"/>
+          <a:stretch>
+            <a:fillRect/>
+          </a:stretch>
+        </p:blipFill>
+        <p:spPr>
+          <a:xfrm>
+            <a:off x="9475956" y="827187"/>
+            <a:ext cx="2665855" cy="1753033"/>
+          </a:xfrm>
+          <a:prstGeom prst="rect">
+            <a:avLst/>
+          </a:prstGeom>
+        </p:spPr>
+      </p:pic>
+    </p:spTree>
+    <p:extLst>
+      <p:ext uri="{BB962C8B-B14F-4D97-AF65-F5344CB8AC3E}">
+        <p14:creationId xmlns:p14="http://schemas.microsoft.com/office/powerpoint/2010/main" val="3497354029"/>
       </p:ext>
     </p:extLst>
   </p:cSld>
@@ -10379,8 +12424,8 @@
         </p:nvSpPr>
         <p:spPr>
           <a:xfrm>
-            <a:off x="7570726" y="4834549"/>
-            <a:ext cx="3953583" cy="369332"/>
+            <a:off x="7332187" y="4810340"/>
+            <a:ext cx="4242123" cy="646331"/>
           </a:xfrm>
           <a:prstGeom prst="rect">
             <a:avLst/>
@@ -10393,9 +12438,23 @@
           </a:bodyPr>
           <a:lstStyle/>
           <a:p>
+            <a:pPr marL="285750" indent="-285750">
+              <a:buFont typeface="Arial" panose="020B0604020202020204" pitchFamily="34" charset="0"/>
+              <a:buChar char="•"/>
+            </a:pPr>
             <a:r>
               <a:rPr lang="en-US" dirty="0"/>
               <a:t>Web browser also mouse/touch friendly</a:t>
+            </a:r>
+          </a:p>
+          <a:p>
+            <a:pPr marL="285750" indent="-285750">
+              <a:buFont typeface="Arial" panose="020B0604020202020204" pitchFamily="34" charset="0"/>
+              <a:buChar char="•"/>
+            </a:pPr>
+            <a:r>
+              <a:rPr lang="en-US" dirty="0"/>
+              <a:t>Other keyboard “shortcuts” </a:t>
             </a:r>
           </a:p>
         </p:txBody>
@@ -10533,6 +12592,142 @@
       <p:bldP spid="4" grpId="0"/>
     </p:bldLst>
   </p:timing>
+</p:sld>
+</file>
+
+<file path=ppt/slides/slide30.xml><?xml version="1.0" encoding="utf-8"?>
+<p:sld xmlns:a="http://schemas.openxmlformats.org/drawingml/2006/main" xmlns:r="http://schemas.openxmlformats.org/officeDocument/2006/relationships" xmlns:p="http://schemas.openxmlformats.org/presentationml/2006/main">
+  <p:cSld>
+    <p:spTree>
+      <p:nvGrpSpPr>
+        <p:cNvPr id="1" name=""/>
+        <p:cNvGrpSpPr/>
+        <p:nvPr/>
+      </p:nvGrpSpPr>
+      <p:grpSpPr>
+        <a:xfrm>
+          <a:off x="0" y="0"/>
+          <a:ext cx="0" cy="0"/>
+          <a:chOff x="0" y="0"/>
+          <a:chExt cx="0" cy="0"/>
+        </a:xfrm>
+      </p:grpSpPr>
+      <p:sp>
+        <p:nvSpPr>
+          <p:cNvPr id="2" name="Rectangle 1">
+            <a:extLst>
+              <a:ext uri="{FF2B5EF4-FFF2-40B4-BE49-F238E27FC236}">
+                <a16:creationId xmlns:a16="http://schemas.microsoft.com/office/drawing/2014/main" id="{79C8DB39-4D86-EC36-A0A4-45702613BC9B}"/>
+              </a:ext>
+            </a:extLst>
+          </p:cNvPr>
+          <p:cNvSpPr/>
+          <p:nvPr/>
+        </p:nvSpPr>
+        <p:spPr>
+          <a:xfrm>
+            <a:off x="2213168" y="36421"/>
+            <a:ext cx="1259319" cy="646331"/>
+          </a:xfrm>
+          <a:prstGeom prst="rect">
+            <a:avLst/>
+          </a:prstGeom>
+          <a:noFill/>
+        </p:spPr>
+        <p:txBody>
+          <a:bodyPr wrap="none" lIns="91440" tIns="45720" rIns="91440" bIns="45720">
+            <a:spAutoFit/>
+          </a:bodyPr>
+          <a:lstStyle/>
+          <a:p>
+            <a:pPr algn="ctr"/>
+            <a:r>
+              <a:rPr lang="en-US" sz="3600" b="0" cap="none" spc="0" dirty="0">
+                <a:ln w="0"/>
+                <a:solidFill>
+                  <a:schemeClr val="tx1"/>
+                </a:solidFill>
+                <a:effectLst>
+                  <a:outerShdw blurRad="38100" dist="19050" dir="2700000" algn="tl" rotWithShape="0">
+                    <a:schemeClr val="dk1">
+                      <a:alpha val="40000"/>
+                    </a:schemeClr>
+                  </a:outerShdw>
+                </a:effectLst>
+              </a:rPr>
+              <a:t>Pages</a:t>
+            </a:r>
+          </a:p>
+        </p:txBody>
+      </p:sp>
+      <p:sp>
+        <p:nvSpPr>
+          <p:cNvPr id="3" name="Rectangle 2">
+            <a:extLst>
+              <a:ext uri="{FF2B5EF4-FFF2-40B4-BE49-F238E27FC236}">
+                <a16:creationId xmlns:a16="http://schemas.microsoft.com/office/drawing/2014/main" id="{BAED3E75-9CB0-7810-AE62-6F718F2381D7}"/>
+              </a:ext>
+            </a:extLst>
+          </p:cNvPr>
+          <p:cNvSpPr/>
+          <p:nvPr/>
+        </p:nvSpPr>
+        <p:spPr>
+          <a:xfrm>
+            <a:off x="8405681" y="40161"/>
+            <a:ext cx="1886991" cy="646331"/>
+          </a:xfrm>
+          <a:prstGeom prst="rect">
+            <a:avLst/>
+          </a:prstGeom>
+          <a:noFill/>
+        </p:spPr>
+        <p:txBody>
+          <a:bodyPr wrap="none" lIns="91440" tIns="45720" rIns="91440" bIns="45720">
+            <a:spAutoFit/>
+          </a:bodyPr>
+          <a:lstStyle/>
+          <a:p>
+            <a:pPr algn="ctr"/>
+            <a:r>
+              <a:rPr lang="en-US" sz="3600" dirty="0">
+                <a:ln w="0"/>
+                <a:effectLst>
+                  <a:outerShdw blurRad="38100" dist="19050" dir="2700000" algn="tl" rotWithShape="0">
+                    <a:schemeClr val="dk1">
+                      <a:alpha val="40000"/>
+                    </a:schemeClr>
+                  </a:outerShdw>
+                </a:effectLst>
+              </a:rPr>
+              <a:t>Variables</a:t>
+            </a:r>
+            <a:endParaRPr lang="en-US" sz="3600" b="0" cap="none" spc="0" dirty="0">
+              <a:ln w="0"/>
+              <a:solidFill>
+                <a:schemeClr val="tx1"/>
+              </a:solidFill>
+              <a:effectLst>
+                <a:outerShdw blurRad="38100" dist="19050" dir="2700000" algn="tl" rotWithShape="0">
+                  <a:schemeClr val="dk1">
+                    <a:alpha val="40000"/>
+                  </a:schemeClr>
+                </a:outerShdw>
+              </a:effectLst>
+            </a:endParaRPr>
+          </a:p>
+        </p:txBody>
+      </p:sp>
+    </p:spTree>
+    <p:extLst>
+      <p:ext uri="{BB962C8B-B14F-4D97-AF65-F5344CB8AC3E}">
+        <p14:creationId xmlns:p14="http://schemas.microsoft.com/office/powerpoint/2010/main" val="4180254955"/>
+      </p:ext>
+    </p:extLst>
+  </p:cSld>
+  <p:clrMapOvr>
+    <a:masterClrMapping/>
+  </p:clrMapOvr>
 </p:sld>
 </file>
 
